--- a/Day 6/Slides/4. Connecting to a Database/connecting-to-a-database-slides.pptx
+++ b/Day 6/Slides/4. Connecting to a Database/connecting-to-a-database-slides.pptx
@@ -5,26 +5,26 @@
     <p:sldMasterId id="2147483648" r:id="rId1"/>
   </p:sldMasterIdLst>
   <p:notesMasterIdLst>
-    <p:notesMasterId r:id="rId20"/>
+    <p:notesMasterId r:id="rId19"/>
   </p:notesMasterIdLst>
   <p:sldIdLst>
-    <p:sldId id="256" r:id="rId3"/>
-    <p:sldId id="257" r:id="rId4"/>
-    <p:sldId id="258" r:id="rId5"/>
-    <p:sldId id="259" r:id="rId6"/>
-    <p:sldId id="260" r:id="rId7"/>
-    <p:sldId id="261" r:id="rId8"/>
-    <p:sldId id="262" r:id="rId9"/>
-    <p:sldId id="263" r:id="rId10"/>
-    <p:sldId id="264" r:id="rId11"/>
-    <p:sldId id="265" r:id="rId12"/>
-    <p:sldId id="266" r:id="rId13"/>
-    <p:sldId id="268" r:id="rId14"/>
-    <p:sldId id="269" r:id="rId15"/>
-    <p:sldId id="270" r:id="rId16"/>
-    <p:sldId id="273" r:id="rId17"/>
-    <p:sldId id="271" r:id="rId18"/>
-    <p:sldId id="272" r:id="rId19"/>
+    <p:sldId id="256" r:id="rId2"/>
+    <p:sldId id="257" r:id="rId3"/>
+    <p:sldId id="258" r:id="rId4"/>
+    <p:sldId id="259" r:id="rId5"/>
+    <p:sldId id="260" r:id="rId6"/>
+    <p:sldId id="261" r:id="rId7"/>
+    <p:sldId id="262" r:id="rId8"/>
+    <p:sldId id="263" r:id="rId9"/>
+    <p:sldId id="264" r:id="rId10"/>
+    <p:sldId id="265" r:id="rId11"/>
+    <p:sldId id="266" r:id="rId12"/>
+    <p:sldId id="268" r:id="rId13"/>
+    <p:sldId id="269" r:id="rId14"/>
+    <p:sldId id="270" r:id="rId15"/>
+    <p:sldId id="273" r:id="rId16"/>
+    <p:sldId id="271" r:id="rId17"/>
+    <p:sldId id="272" r:id="rId18"/>
   </p:sldIdLst>
   <p:sldSz cx="18288000" cy="10287000"/>
   <p:notesSz cx="18288000" cy="10287000"/>
@@ -120,6 +120,22 @@
       </a:defRPr>
     </a:lvl9pPr>
   </p:defaultTextStyle>
+  <p:extLst>
+    <p:ext uri="{EFAFB233-063F-42B5-8137-9DF3F51BA10A}">
+      <p15:sldGuideLst xmlns:p15="http://schemas.microsoft.com/office/powerpoint/2012/main">
+        <p15:guide id="1" orient="horz" pos="2880">
+          <p15:clr>
+            <a:srgbClr val="A4A3A4"/>
+          </p15:clr>
+        </p15:guide>
+        <p15:guide id="2" pos="2190">
+          <p15:clr>
+            <a:srgbClr val="A4A3A4"/>
+          </p15:clr>
+        </p15:guide>
+      </p15:sldGuideLst>
+    </p:ext>
+  </p:extLst>
 </p:presentation>
 </file>
 
@@ -205,6 +221,7 @@
           <a:p>
             <a:fld id="{3EFD42F7-718C-4B98-AAEC-167E6DDD60A7}" type="datetimeFigureOut">
               <a:rPr lang="en-US" smtClean="0"/>
+              <a:t>8/6/2023</a:t>
             </a:fld>
             <a:endParaRPr lang="en-US"/>
           </a:p>
@@ -268,42 +285,37 @@
           <a:p>
             <a:pPr lvl="0"/>
             <a:r>
-              <a:rPr lang="en-US" smtClean="0"/>
+              <a:rPr lang="en-US"/>
               <a:t>Click to edit Master text styles</a:t>
             </a:r>
-            <a:endParaRPr lang="en-US" smtClean="0"/>
           </a:p>
           <a:p>
             <a:pPr lvl="1"/>
             <a:r>
-              <a:rPr lang="en-US" smtClean="0"/>
+              <a:rPr lang="en-US"/>
               <a:t>Second level</a:t>
             </a:r>
-            <a:endParaRPr lang="en-US" smtClean="0"/>
           </a:p>
           <a:p>
             <a:pPr lvl="2"/>
             <a:r>
-              <a:rPr lang="en-US" smtClean="0"/>
+              <a:rPr lang="en-US"/>
               <a:t>Third level</a:t>
             </a:r>
-            <a:endParaRPr lang="en-US" smtClean="0"/>
           </a:p>
           <a:p>
             <a:pPr lvl="3"/>
             <a:r>
-              <a:rPr lang="en-US" smtClean="0"/>
+              <a:rPr lang="en-US"/>
               <a:t>Fourth level</a:t>
             </a:r>
-            <a:endParaRPr lang="en-US" smtClean="0"/>
           </a:p>
           <a:p>
             <a:pPr lvl="4"/>
             <a:r>
-              <a:rPr lang="en-US" smtClean="0"/>
+              <a:rPr lang="en-US"/>
               <a:t>Fifth level</a:t>
             </a:r>
-            <a:endParaRPr lang="en-US"/>
           </a:p>
         </p:txBody>
       </p:sp>
@@ -367,6 +379,7 @@
           <a:p>
             <a:fld id="{21B2AA4F-B828-4D7C-AFD3-893933DAFCB4}" type="slidenum">
               <a:rPr lang="en-US" smtClean="0"/>
+              <a:t>‹#›</a:t>
             </a:fld>
             <a:endParaRPr lang="en-US"/>
           </a:p>
@@ -521,7 +534,9 @@
               </a:defRPr>
             </a:lvl1pPr>
           </a:lstStyle>
-          <a:p/>
+          <a:p>
+            <a:endParaRPr/>
+          </a:p>
         </p:txBody>
       </p:sp>
       <p:sp>
@@ -558,7 +573,9 @@
               </a:defRPr>
             </a:lvl1pPr>
           </a:lstStyle>
-          <a:p/>
+          <a:p>
+            <a:endParaRPr/>
+          </a:p>
         </p:txBody>
       </p:sp>
       <p:sp>
@@ -585,7 +602,9 @@
               </a:defRPr>
             </a:lvl1pPr>
           </a:lstStyle>
-          <a:p/>
+          <a:p>
+            <a:endParaRPr/>
+          </a:p>
         </p:txBody>
       </p:sp>
       <p:sp>
@@ -615,6 +634,7 @@
           <a:p>
             <a:fld id="{1D8BD707-D9CF-40AE-B4C6-C98DA3205C09}" type="datetimeFigureOut">
               <a:rPr lang="en-US"/>
+              <a:t>8/6/2023</a:t>
             </a:fld>
             <a:endParaRPr lang="en-US"/>
           </a:p>
@@ -647,6 +667,7 @@
           <a:p>
             <a:fld id="{B6F15528-21DE-4FAA-801E-634DDDAF4B2B}" type="slidenum">
               <a:rPr/>
+              <a:t>‹#›</a:t>
             </a:fld>
             <a:endParaRPr/>
           </a:p>
@@ -702,7 +723,9 @@
               </a:defRPr>
             </a:lvl1pPr>
           </a:lstStyle>
-          <a:p/>
+          <a:p>
+            <a:endParaRPr/>
+          </a:p>
         </p:txBody>
       </p:sp>
       <p:sp>
@@ -729,7 +752,9 @@
               </a:defRPr>
             </a:lvl1pPr>
           </a:lstStyle>
-          <a:p/>
+          <a:p>
+            <a:endParaRPr/>
+          </a:p>
         </p:txBody>
       </p:sp>
       <p:sp>
@@ -756,7 +781,9 @@
               </a:defRPr>
             </a:lvl1pPr>
           </a:lstStyle>
-          <a:p/>
+          <a:p>
+            <a:endParaRPr/>
+          </a:p>
         </p:txBody>
       </p:sp>
       <p:sp>
@@ -786,6 +813,7 @@
           <a:p>
             <a:fld id="{1D8BD707-D9CF-40AE-B4C6-C98DA3205C09}" type="datetimeFigureOut">
               <a:rPr lang="en-US"/>
+              <a:t>8/6/2023</a:t>
             </a:fld>
             <a:endParaRPr lang="en-US"/>
           </a:p>
@@ -818,6 +846,7 @@
           <a:p>
             <a:fld id="{B6F15528-21DE-4FAA-801E-634DDDAF4B2B}" type="slidenum">
               <a:rPr/>
+              <a:t>‹#›</a:t>
             </a:fld>
             <a:endParaRPr/>
           </a:p>
@@ -873,7 +902,9 @@
               </a:defRPr>
             </a:lvl1pPr>
           </a:lstStyle>
-          <a:p/>
+          <a:p>
+            <a:endParaRPr/>
+          </a:p>
         </p:txBody>
       </p:sp>
       <p:sp>
@@ -904,7 +935,9 @@
               <a:defRPr/>
             </a:lvl1pPr>
           </a:lstStyle>
-          <a:p/>
+          <a:p>
+            <a:endParaRPr/>
+          </a:p>
         </p:txBody>
       </p:sp>
       <p:sp>
@@ -935,7 +968,9 @@
               <a:defRPr/>
             </a:lvl1pPr>
           </a:lstStyle>
-          <a:p/>
+          <a:p>
+            <a:endParaRPr/>
+          </a:p>
         </p:txBody>
       </p:sp>
       <p:sp>
@@ -962,7 +997,9 @@
               </a:defRPr>
             </a:lvl1pPr>
           </a:lstStyle>
-          <a:p/>
+          <a:p>
+            <a:endParaRPr/>
+          </a:p>
         </p:txBody>
       </p:sp>
       <p:sp>
@@ -992,6 +1029,7 @@
           <a:p>
             <a:fld id="{1D8BD707-D9CF-40AE-B4C6-C98DA3205C09}" type="datetimeFigureOut">
               <a:rPr lang="en-US"/>
+              <a:t>8/6/2023</a:t>
             </a:fld>
             <a:endParaRPr lang="en-US"/>
           </a:p>
@@ -1024,6 +1062,7 @@
           <a:p>
             <a:fld id="{B6F15528-21DE-4FAA-801E-634DDDAF4B2B}" type="slidenum">
               <a:rPr/>
+              <a:t>‹#›</a:t>
             </a:fld>
             <a:endParaRPr/>
           </a:p>
@@ -1039,7 +1078,7 @@
 </file>
 
 <file path=ppt/slideLayouts/slideLayout4.xml><?xml version="1.0" encoding="utf-8"?>
-<p:sldLayout xmlns:a="http://schemas.openxmlformats.org/drawingml/2006/main" xmlns:r="http://schemas.openxmlformats.org/officeDocument/2006/relationships" xmlns:p="http://schemas.openxmlformats.org/presentationml/2006/main" type="obj" preserve="1" showMasterSp="0">
+<p:sldLayout xmlns:a="http://schemas.openxmlformats.org/drawingml/2006/main" xmlns:r="http://schemas.openxmlformats.org/officeDocument/2006/relationships" xmlns:p="http://schemas.openxmlformats.org/presentationml/2006/main" showMasterSp="0" type="obj" preserve="1">
   <p:cSld name="Title Only">
     <p:bg>
       <p:bgPr>
@@ -1109,7 +1148,9 @@
               </a:defRPr>
             </a:lvl1pPr>
           </a:lstStyle>
-          <a:p/>
+          <a:p>
+            <a:endParaRPr/>
+          </a:p>
         </p:txBody>
       </p:sp>
       <p:sp>
@@ -1136,7 +1177,9 @@
               </a:defRPr>
             </a:lvl1pPr>
           </a:lstStyle>
-          <a:p/>
+          <a:p>
+            <a:endParaRPr/>
+          </a:p>
         </p:txBody>
       </p:sp>
       <p:sp>
@@ -1166,6 +1209,7 @@
           <a:p>
             <a:fld id="{1D8BD707-D9CF-40AE-B4C6-C98DA3205C09}" type="datetimeFigureOut">
               <a:rPr lang="en-US"/>
+              <a:t>8/6/2023</a:t>
             </a:fld>
             <a:endParaRPr lang="en-US"/>
           </a:p>
@@ -1198,6 +1242,7 @@
           <a:p>
             <a:fld id="{B6F15528-21DE-4FAA-801E-634DDDAF4B2B}" type="slidenum">
               <a:rPr/>
+              <a:t>‹#›</a:t>
             </a:fld>
             <a:endParaRPr/>
           </a:p>
@@ -1213,7 +1258,7 @@
 </file>
 
 <file path=ppt/slideLayouts/slideLayout5.xml><?xml version="1.0" encoding="utf-8"?>
-<p:sldLayout xmlns:a="http://schemas.openxmlformats.org/drawingml/2006/main" xmlns:r="http://schemas.openxmlformats.org/officeDocument/2006/relationships" xmlns:p="http://schemas.openxmlformats.org/presentationml/2006/main" type="obj" preserve="1" showMasterSp="0">
+<p:sldLayout xmlns:a="http://schemas.openxmlformats.org/drawingml/2006/main" xmlns:r="http://schemas.openxmlformats.org/officeDocument/2006/relationships" xmlns:p="http://schemas.openxmlformats.org/presentationml/2006/main" showMasterSp="0" type="obj" preserve="1">
   <p:cSld name="Blank">
     <p:bg>
       <p:bgPr>
@@ -1282,7 +1327,9 @@
         <p:txBody>
           <a:bodyPr wrap="square" lIns="0" tIns="0" rIns="0" bIns="0" rtlCol="0"/>
           <a:lstStyle/>
-          <a:p/>
+          <a:p>
+            <a:endParaRPr/>
+          </a:p>
         </p:txBody>
       </p:sp>
       <p:pic>
@@ -1352,7 +1399,9 @@
         <p:txBody>
           <a:bodyPr wrap="square" lIns="0" tIns="0" rIns="0" bIns="0" rtlCol="0"/>
           <a:lstStyle/>
-          <a:p/>
+          <a:p>
+            <a:endParaRPr/>
+          </a:p>
         </p:txBody>
       </p:sp>
       <p:sp>
@@ -1379,7 +1428,9 @@
               </a:defRPr>
             </a:lvl1pPr>
           </a:lstStyle>
-          <a:p/>
+          <a:p>
+            <a:endParaRPr/>
+          </a:p>
         </p:txBody>
       </p:sp>
       <p:sp>
@@ -1409,6 +1460,7 @@
           <a:p>
             <a:fld id="{1D8BD707-D9CF-40AE-B4C6-C98DA3205C09}" type="datetimeFigureOut">
               <a:rPr lang="en-US"/>
+              <a:t>8/6/2023</a:t>
             </a:fld>
             <a:endParaRPr lang="en-US"/>
           </a:p>
@@ -1441,6 +1493,7 @@
           <a:p>
             <a:fld id="{B6F15528-21DE-4FAA-801E-634DDDAF4B2B}" type="slidenum">
               <a:rPr/>
+              <a:t>‹#›</a:t>
             </a:fld>
             <a:endParaRPr/>
           </a:p>
@@ -1514,7 +1567,9 @@
               </a:defRPr>
             </a:lvl1pPr>
           </a:lstStyle>
-          <a:p/>
+          <a:p>
+            <a:endParaRPr/>
+          </a:p>
         </p:txBody>
       </p:sp>
       <p:sp>
@@ -1551,7 +1606,9 @@
               </a:defRPr>
             </a:lvl1pPr>
           </a:lstStyle>
-          <a:p/>
+          <a:p>
+            <a:endParaRPr/>
+          </a:p>
         </p:txBody>
       </p:sp>
       <p:sp>
@@ -1588,7 +1645,9 @@
               </a:defRPr>
             </a:lvl1pPr>
           </a:lstStyle>
-          <a:p/>
+          <a:p>
+            <a:endParaRPr/>
+          </a:p>
         </p:txBody>
       </p:sp>
       <p:sp>
@@ -1628,6 +1687,7 @@
           <a:p>
             <a:fld id="{1D8BD707-D9CF-40AE-B4C6-C98DA3205C09}" type="datetimeFigureOut">
               <a:rPr lang="en-US"/>
+              <a:t>8/6/2023</a:t>
             </a:fld>
             <a:endParaRPr lang="en-US"/>
           </a:p>
@@ -1670,6 +1730,7 @@
           <a:p>
             <a:fld id="{B6F15528-21DE-4FAA-801E-634DDDAF4B2B}" type="slidenum">
               <a:rPr/>
+              <a:t>‹#›</a:t>
             </a:fld>
             <a:endParaRPr/>
           </a:p>
@@ -1854,7 +1915,7 @@
           <p:nvPr/>
         </p:nvPicPr>
         <p:blipFill>
-          <a:blip r:embed="rId1" cstate="print"/>
+          <a:blip r:embed="rId2" cstate="print"/>
           <a:stretch>
             <a:fillRect/>
           </a:stretch>
@@ -1947,9 +2008,11 @@
         <p:spPr/>
         <p:txBody>
           <a:bodyPr/>
+          <a:lstStyle/>
           <a:p>
             <a:fld id="{B6F15528-21DE-4FAA-801E-634DDDAF4B2B}" type="slidenum">
               <a:rPr/>
+              <a:t>1</a:t>
             </a:fld>
             <a:endParaRPr/>
           </a:p>
@@ -2033,7 +2096,6 @@
               <a:rPr spc="80" dirty="0"/>
               <a:t>Code</a:t>
             </a:r>
-            <a:endParaRPr spc="80" dirty="0"/>
           </a:p>
         </p:txBody>
       </p:sp>
@@ -2094,7 +2156,17 @@
                 <a:latin typeface="Arial MT"/>
                 <a:cs typeface="Arial MT"/>
               </a:rPr>
-              <a:t>.:mysql-connector-java-8.0.23.jar</a:t>
+              <a:t>.:</a:t>
+            </a:r>
+            <a:r>
+              <a:rPr lang="en-US" sz="3600" spc="-5" dirty="0">
+                <a:solidFill>
+                  <a:srgbClr val="171717"/>
+                </a:solidFill>
+                <a:latin typeface="Arial MT"/>
+                <a:cs typeface="Arial MT"/>
+              </a:rPr>
+              <a:t>sqljdbc42.jar</a:t>
             </a:r>
             <a:r>
               <a:rPr sz="3600" spc="5" dirty="0">
@@ -2116,7 +2188,7 @@
               </a:rPr>
               <a:t>com.app.Application</a:t>
             </a:r>
-            <a:endParaRPr sz="3600">
+            <a:endParaRPr sz="3600" dirty="0">
               <a:latin typeface="Arial MT"/>
               <a:cs typeface="Arial MT"/>
             </a:endParaRPr>
@@ -2184,7 +2256,9 @@
           <p:txBody>
             <a:bodyPr wrap="square" lIns="0" tIns="0" rIns="0" bIns="0" rtlCol="0"/>
             <a:lstStyle/>
-            <a:p/>
+            <a:p>
+              <a:endParaRPr/>
+            </a:p>
           </p:txBody>
         </p:sp>
         <p:sp>
@@ -2224,7 +2298,9 @@
           <p:txBody>
             <a:bodyPr wrap="square" lIns="0" tIns="0" rIns="0" bIns="0" rtlCol="0"/>
             <a:lstStyle/>
-            <a:p/>
+            <a:p>
+              <a:endParaRPr/>
+            </a:p>
           </p:txBody>
         </p:sp>
       </p:grpSp>
@@ -2347,9 +2423,11 @@
         <p:spPr/>
         <p:txBody>
           <a:bodyPr/>
+          <a:lstStyle/>
           <a:p>
             <a:fld id="{B6F15528-21DE-4FAA-801E-634DDDAF4B2B}" type="slidenum">
               <a:rPr/>
+              <a:t>10</a:t>
             </a:fld>
             <a:endParaRPr/>
           </a:p>
@@ -2425,7 +2503,6 @@
               <a:rPr spc="290" dirty="0"/>
               <a:t>ut</a:t>
             </a:r>
-            <a:endParaRPr spc="290" dirty="0"/>
           </a:p>
         </p:txBody>
       </p:sp>
@@ -2437,8 +2514,8 @@
         </p:nvSpPr>
         <p:spPr>
           <a:xfrm>
-            <a:off x="2510367" y="3810508"/>
-            <a:ext cx="10483850" cy="635000"/>
+            <a:off x="2510366" y="3810508"/>
+            <a:ext cx="15396634" cy="1256754"/>
           </a:xfrm>
           <a:prstGeom prst="rect">
             <a:avLst/>
@@ -2449,6 +2526,37 @@
             <a:spAutoFit/>
           </a:bodyPr>
           <a:lstStyle/>
+          <a:p>
+            <a:pPr marL="12700">
+              <a:spcBef>
+                <a:spcPts val="100"/>
+              </a:spcBef>
+            </a:pPr>
+            <a:r>
+              <a:rPr lang="en-US" sz="4000" spc="-5" dirty="0">
+                <a:solidFill>
+                  <a:srgbClr val="171717"/>
+                </a:solidFill>
+                <a:latin typeface="Arial MT"/>
+              </a:rPr>
+              <a:t>class </a:t>
+            </a:r>
+            <a:r>
+              <a:rPr lang="en-US" sz="4000" spc="-5" dirty="0" err="1">
+                <a:solidFill>
+                  <a:srgbClr val="171717"/>
+                </a:solidFill>
+                <a:latin typeface="Arial MT"/>
+              </a:rPr>
+              <a:t>com.microsoft.sqlserver.jdbc.SQLServerConnection</a:t>
+            </a:r>
+            <a:endParaRPr lang="en-US" sz="4000" spc="-5" dirty="0">
+              <a:solidFill>
+                <a:srgbClr val="171717"/>
+              </a:solidFill>
+              <a:latin typeface="Arial MT"/>
+            </a:endParaRPr>
+          </a:p>
           <a:p>
             <a:pPr marL="12700">
               <a:lnSpc>
@@ -2458,17 +2566,7 @@
                 <a:spcPts val="100"/>
               </a:spcBef>
             </a:pPr>
-            <a:r>
-              <a:rPr sz="4000" spc="-5" dirty="0">
-                <a:solidFill>
-                  <a:srgbClr val="171717"/>
-                </a:solidFill>
-                <a:latin typeface="Arial MT"/>
-                <a:cs typeface="Arial MT"/>
-              </a:rPr>
-              <a:t>com.mysql.cj.jdbc.ConnectionImpl@2ea41516</a:t>
-            </a:r>
-            <a:endParaRPr sz="4000">
+            <a:endParaRPr lang="en-US" sz="4000" dirty="0">
               <a:latin typeface="Arial MT"/>
               <a:cs typeface="Arial MT"/>
             </a:endParaRPr>
@@ -2694,9 +2792,11 @@
         <p:spPr/>
         <p:txBody>
           <a:bodyPr/>
+          <a:lstStyle/>
           <a:p>
             <a:fld id="{B6F15528-21DE-4FAA-801E-634DDDAF4B2B}" type="slidenum">
               <a:rPr/>
+              <a:t>11</a:t>
             </a:fld>
             <a:endParaRPr/>
           </a:p>
@@ -2764,7 +2864,9 @@
         <p:txBody>
           <a:bodyPr wrap="square" lIns="0" tIns="0" rIns="0" bIns="0" rtlCol="0"/>
           <a:lstStyle/>
-          <a:p/>
+          <a:p>
+            <a:endParaRPr/>
+          </a:p>
         </p:txBody>
       </p:sp>
       <p:sp>
@@ -2874,77 +2976,57 @@
                 <a:latin typeface="Microsoft Sans Serif" panose="020B0604020202020204"/>
                 <a:cs typeface="Microsoft Sans Serif" panose="020B0604020202020204"/>
               </a:rPr>
-              <a:t>C</a:t>
-            </a:r>
-            <a:r>
-              <a:rPr sz="5400" spc="35" dirty="0">
+              <a:t>Co</a:t>
+            </a:r>
+            <a:r>
+              <a:rPr sz="5400" spc="105" dirty="0">
                 <a:solidFill>
                   <a:srgbClr val="404040"/>
                 </a:solidFill>
                 <a:latin typeface="Microsoft Sans Serif" panose="020B0604020202020204"/>
                 <a:cs typeface="Microsoft Sans Serif" panose="020B0604020202020204"/>
               </a:rPr>
-              <a:t>o</a:t>
-            </a:r>
-            <a:r>
-              <a:rPr sz="5400" spc="105" dirty="0">
+              <a:t>nn</a:t>
+            </a:r>
+            <a:r>
+              <a:rPr sz="5400" spc="15" dirty="0">
                 <a:solidFill>
                   <a:srgbClr val="404040"/>
                 </a:solidFill>
                 <a:latin typeface="Microsoft Sans Serif" panose="020B0604020202020204"/>
                 <a:cs typeface="Microsoft Sans Serif" panose="020B0604020202020204"/>
               </a:rPr>
-              <a:t>nn</a:t>
-            </a:r>
-            <a:r>
-              <a:rPr sz="5400" spc="15" dirty="0">
+              <a:t>e</a:t>
+            </a:r>
+            <a:r>
+              <a:rPr sz="5400" spc="229" dirty="0">
                 <a:solidFill>
                   <a:srgbClr val="404040"/>
                 </a:solidFill>
                 <a:latin typeface="Microsoft Sans Serif" panose="020B0604020202020204"/>
                 <a:cs typeface="Microsoft Sans Serif" panose="020B0604020202020204"/>
               </a:rPr>
-              <a:t>e</a:t>
-            </a:r>
-            <a:r>
-              <a:rPr sz="5400" spc="229" dirty="0">
+              <a:t>c</a:t>
+            </a:r>
+            <a:r>
+              <a:rPr sz="5400" spc="430" dirty="0">
                 <a:solidFill>
                   <a:srgbClr val="404040"/>
                 </a:solidFill>
                 <a:latin typeface="Microsoft Sans Serif" panose="020B0604020202020204"/>
                 <a:cs typeface="Microsoft Sans Serif" panose="020B0604020202020204"/>
               </a:rPr>
-              <a:t>c</a:t>
-            </a:r>
-            <a:r>
-              <a:rPr sz="5400" spc="430" dirty="0">
+              <a:t>t</a:t>
+            </a:r>
+            <a:r>
+              <a:rPr sz="5400" spc="-20" dirty="0">
                 <a:solidFill>
                   <a:srgbClr val="404040"/>
                 </a:solidFill>
                 <a:latin typeface="Microsoft Sans Serif" panose="020B0604020202020204"/>
                 <a:cs typeface="Microsoft Sans Serif" panose="020B0604020202020204"/>
               </a:rPr>
-              <a:t>t</a:t>
-            </a:r>
-            <a:r>
-              <a:rPr sz="5400" spc="-20" dirty="0">
-                <a:solidFill>
-                  <a:srgbClr val="404040"/>
-                </a:solidFill>
-                <a:latin typeface="Microsoft Sans Serif" panose="020B0604020202020204"/>
-                <a:cs typeface="Microsoft Sans Serif" panose="020B0604020202020204"/>
-              </a:rPr>
-              <a:t>i</a:t>
-            </a:r>
-            <a:r>
-              <a:rPr sz="5400" spc="-20" dirty="0">
-                <a:solidFill>
-                  <a:srgbClr val="404040"/>
-                </a:solidFill>
-                <a:latin typeface="Microsoft Sans Serif" panose="020B0604020202020204"/>
-                <a:cs typeface="Microsoft Sans Serif" panose="020B0604020202020204"/>
-              </a:rPr>
-              <a:t>o</a:t>
+              <a:t>io</a:t>
             </a:r>
             <a:r>
               <a:rPr sz="5400" spc="105" dirty="0">
@@ -3172,7 +3254,6 @@
               <a:rPr spc="-50" dirty="0"/>
               <a:t>use</a:t>
             </a:r>
-            <a:endParaRPr spc="-50" dirty="0"/>
           </a:p>
           <a:p>
             <a:pPr marL="6097270">
@@ -3235,7 +3316,6 @@
               <a:rPr spc="25" dirty="0"/>
               <a:t>connection</a:t>
             </a:r>
-            <a:endParaRPr spc="25" dirty="0"/>
           </a:p>
           <a:p>
             <a:pPr marL="6094095" marR="536575" indent="3175">
@@ -3322,7 +3402,6 @@
               <a:rPr spc="25" dirty="0"/>
               <a:t>set</a:t>
             </a:r>
-            <a:endParaRPr spc="25" dirty="0"/>
           </a:p>
         </p:txBody>
       </p:sp>
@@ -3339,9 +3418,11 @@
         <p:spPr/>
         <p:txBody>
           <a:bodyPr/>
+          <a:lstStyle/>
           <a:p>
             <a:fld id="{B6F15528-21DE-4FAA-801E-634DDDAF4B2B}" type="slidenum">
               <a:rPr/>
+              <a:t>12</a:t>
             </a:fld>
             <a:endParaRPr/>
           </a:p>
@@ -3417,7 +3498,9 @@
         <p:txBody>
           <a:bodyPr wrap="square" lIns="0" tIns="0" rIns="0" bIns="0" rtlCol="0"/>
           <a:lstStyle/>
-          <a:p/>
+          <a:p>
+            <a:endParaRPr/>
+          </a:p>
         </p:txBody>
       </p:sp>
       <p:sp>
@@ -3481,7 +3564,6 @@
               <a:rPr spc="-55" dirty="0"/>
               <a:t>Resources</a:t>
             </a:r>
-            <a:endParaRPr spc="-55" dirty="0"/>
           </a:p>
         </p:txBody>
       </p:sp>
@@ -3493,8 +3575,8 @@
         </p:nvSpPr>
         <p:spPr>
           <a:xfrm>
-            <a:off x="481022" y="2134107"/>
-            <a:ext cx="9406255" cy="7386320"/>
+            <a:off x="0" y="2134107"/>
+            <a:ext cx="18288000" cy="9003683"/>
           </a:xfrm>
           <a:prstGeom prst="rect">
             <a:avLst/>
@@ -3594,7 +3676,7 @@
               </a:rPr>
               <a:t>SQLException {</a:t>
             </a:r>
-            <a:endParaRPr sz="2800">
+            <a:endParaRPr sz="2800" dirty="0">
               <a:latin typeface="Arial MT"/>
               <a:cs typeface="Arial MT"/>
             </a:endParaRPr>
@@ -3619,6 +3701,16 @@
               <a:t>try (Connection conn = </a:t>
             </a:r>
             <a:r>
+              <a:rPr sz="2800" spc="-5" dirty="0" err="1">
+                <a:solidFill>
+                  <a:srgbClr val="F15B2A"/>
+                </a:solidFill>
+                <a:latin typeface="Arial MT"/>
+                <a:cs typeface="Arial MT"/>
+              </a:rPr>
+              <a:t>DriverManager.getConnection</a:t>
+            </a:r>
+            <a:r>
               <a:rPr sz="2800" spc="-5" dirty="0">
                 <a:solidFill>
                   <a:srgbClr val="F15B2A"/>
@@ -3626,17 +3718,80 @@
                 <a:latin typeface="Arial MT"/>
                 <a:cs typeface="Arial MT"/>
               </a:rPr>
-              <a:t>DriverManager.getConnection( </a:t>
-            </a:r>
-            <a:r>
-              <a:rPr sz="2800" spc="-765" dirty="0">
+              <a:t>(</a:t>
+            </a:r>
+            <a:r>
+              <a:rPr lang="en-US" sz="2800" spc="-5" dirty="0" err="1">
                 <a:solidFill>
                   <a:srgbClr val="F15B2A"/>
                 </a:solidFill>
                 <a:latin typeface="Arial MT"/>
-                <a:cs typeface="Arial MT"/>
-              </a:rPr>
-              <a:t> </a:t>
+              </a:rPr>
+              <a:t>jdbc:sqlserver</a:t>
+            </a:r>
+            <a:r>
+              <a:rPr lang="en-US" sz="2800" spc="-5" dirty="0">
+                <a:solidFill>
+                  <a:srgbClr val="F15B2A"/>
+                </a:solidFill>
+                <a:latin typeface="Arial MT"/>
+              </a:rPr>
+              <a:t>://localhost:1434;databaseName=</a:t>
+            </a:r>
+            <a:r>
+              <a:rPr lang="en-US" sz="2800" spc="-5" dirty="0" err="1">
+                <a:solidFill>
+                  <a:srgbClr val="F15B2A"/>
+                </a:solidFill>
+                <a:latin typeface="Arial MT"/>
+              </a:rPr>
+              <a:t>loboticket</a:t>
+            </a:r>
+            <a:r>
+              <a:rPr lang="en-US" sz="2800" spc="-5" dirty="0">
+                <a:solidFill>
+                  <a:srgbClr val="F15B2A"/>
+                </a:solidFill>
+                <a:latin typeface="Arial MT"/>
+              </a:rPr>
+              <a:t>;</a:t>
+            </a:r>
+          </a:p>
+          <a:p>
+            <a:pPr marL="1980565" marR="443865" indent="-1574800">
+              <a:lnSpc>
+                <a:spcPct val="179000"/>
+              </a:lnSpc>
+              <a:spcBef>
+                <a:spcPts val="95"/>
+              </a:spcBef>
+            </a:pPr>
+            <a:r>
+              <a:rPr lang="en-US" sz="2800" spc="-5" dirty="0">
+                <a:solidFill>
+                  <a:srgbClr val="F15B2A"/>
+                </a:solidFill>
+                <a:latin typeface="Arial MT"/>
+              </a:rPr>
+              <a:t>							</a:t>
+            </a:r>
+            <a:r>
+              <a:rPr lang="en-US" sz="2800" spc="-5" dirty="0" err="1">
+                <a:solidFill>
+                  <a:srgbClr val="F15B2A"/>
+                </a:solidFill>
+                <a:latin typeface="Arial MT"/>
+              </a:rPr>
+              <a:t>integratedSecurity</a:t>
+            </a:r>
+            <a:r>
+              <a:rPr lang="en-US" sz="2800" spc="-5" dirty="0">
+                <a:solidFill>
+                  <a:srgbClr val="F15B2A"/>
+                </a:solidFill>
+                <a:latin typeface="Arial MT"/>
+              </a:rPr>
+              <a:t>=true;</a:t>
             </a:r>
             <a:r>
               <a:rPr sz="2800" dirty="0">
@@ -3646,7 +3801,7 @@
                 <a:latin typeface="Arial MT"/>
                 <a:cs typeface="Arial MT"/>
               </a:rPr>
-              <a:t>"jdbc:mysql://localhost:3306/loboticket"))</a:t>
+              <a:t>"))</a:t>
             </a:r>
             <a:r>
               <a:rPr sz="2800" spc="-15" dirty="0">
@@ -3668,7 +3823,7 @@
               </a:rPr>
               <a:t>{</a:t>
             </a:r>
-            <a:endParaRPr sz="2800">
+            <a:endParaRPr sz="2800" dirty="0">
               <a:latin typeface="Arial MT"/>
               <a:cs typeface="Arial MT"/>
             </a:endParaRPr>
@@ -3702,6 +3857,40 @@
               </a:rPr>
               <a:t> </a:t>
             </a:r>
+            <a:endParaRPr lang="en-US" sz="2800" spc="-765" dirty="0">
+              <a:solidFill>
+                <a:srgbClr val="404040"/>
+              </a:solidFill>
+              <a:latin typeface="Arial MT"/>
+              <a:cs typeface="Arial MT"/>
+            </a:endParaRPr>
+          </a:p>
+          <a:p>
+            <a:pPr marL="799465" marR="17780">
+              <a:lnSpc>
+                <a:spcPct val="181000"/>
+              </a:lnSpc>
+              <a:spcBef>
+                <a:spcPts val="25"/>
+              </a:spcBef>
+            </a:pPr>
+            <a:endParaRPr lang="en-US" sz="2800" spc="-765" dirty="0">
+              <a:solidFill>
+                <a:srgbClr val="404040"/>
+              </a:solidFill>
+              <a:latin typeface="Arial MT"/>
+              <a:cs typeface="Arial MT"/>
+            </a:endParaRPr>
+          </a:p>
+          <a:p>
+            <a:pPr marL="799465" marR="17780">
+              <a:lnSpc>
+                <a:spcPct val="181000"/>
+              </a:lnSpc>
+              <a:spcBef>
+                <a:spcPts val="25"/>
+              </a:spcBef>
+            </a:pPr>
             <a:r>
               <a:rPr sz="2800" dirty="0">
                 <a:solidFill>
@@ -3763,6 +3952,16 @@
               <a:t> </a:t>
             </a:r>
             <a:r>
+              <a:rPr sz="2800" dirty="0" err="1">
+                <a:solidFill>
+                  <a:srgbClr val="404040"/>
+                </a:solidFill>
+                <a:latin typeface="Arial MT"/>
+                <a:cs typeface="Arial MT"/>
+              </a:rPr>
+              <a:t>stmt.executeQuery</a:t>
+            </a:r>
+            <a:r>
               <a:rPr sz="2800" dirty="0">
                 <a:solidFill>
                   <a:srgbClr val="404040"/>
@@ -3770,9 +3969,26 @@
                 <a:latin typeface="Arial MT"/>
                 <a:cs typeface="Arial MT"/>
               </a:rPr>
-              <a:t>stmt.executeQuery();</a:t>
-            </a:r>
-            <a:endParaRPr sz="2800">
+              <a:t>();</a:t>
+            </a:r>
+            <a:endParaRPr lang="en-US" sz="2800" dirty="0">
+              <a:solidFill>
+                <a:srgbClr val="404040"/>
+              </a:solidFill>
+              <a:latin typeface="Arial MT"/>
+              <a:cs typeface="Arial MT"/>
+            </a:endParaRPr>
+          </a:p>
+          <a:p>
+            <a:pPr marL="799465" marR="17780">
+              <a:lnSpc>
+                <a:spcPct val="181000"/>
+              </a:lnSpc>
+              <a:spcBef>
+                <a:spcPts val="25"/>
+              </a:spcBef>
+            </a:pPr>
+            <a:endParaRPr sz="2800" dirty="0">
               <a:latin typeface="Arial MT"/>
               <a:cs typeface="Arial MT"/>
             </a:endParaRPr>
@@ -4016,7 +4232,7 @@
               </a:rPr>
               <a:t>Name"));</a:t>
             </a:r>
-            <a:endParaRPr sz="2800">
+            <a:endParaRPr sz="2800" dirty="0">
               <a:latin typeface="Arial MT"/>
               <a:cs typeface="Arial MT"/>
             </a:endParaRPr>
@@ -4040,7 +4256,7 @@
               </a:rPr>
               <a:t>}</a:t>
             </a:r>
-            <a:endParaRPr sz="2800">
+            <a:endParaRPr sz="2800" dirty="0">
               <a:latin typeface="Arial MT"/>
               <a:cs typeface="Arial MT"/>
             </a:endParaRPr>
@@ -4064,7 +4280,7 @@
               </a:rPr>
               <a:t>}</a:t>
             </a:r>
-            <a:endParaRPr sz="2800">
+            <a:endParaRPr sz="2800" dirty="0">
               <a:latin typeface="Arial MT"/>
               <a:cs typeface="Arial MT"/>
             </a:endParaRPr>
@@ -4088,7 +4304,7 @@
               </a:rPr>
               <a:t>}</a:t>
             </a:r>
-            <a:endParaRPr sz="2800">
+            <a:endParaRPr sz="2800" dirty="0">
               <a:latin typeface="Arial MT"/>
               <a:cs typeface="Arial MT"/>
             </a:endParaRPr>
@@ -4108,9 +4324,11 @@
         <p:spPr/>
         <p:txBody>
           <a:bodyPr/>
+          <a:lstStyle/>
           <a:p>
             <a:fld id="{B6F15528-21DE-4FAA-801E-634DDDAF4B2B}" type="slidenum">
               <a:rPr/>
+              <a:t>13</a:t>
             </a:fld>
             <a:endParaRPr/>
           </a:p>
@@ -4148,7 +4366,7 @@
           <p:nvPr/>
         </p:nvPicPr>
         <p:blipFill>
-          <a:blip r:embed="rId1" cstate="print"/>
+          <a:blip r:embed="rId2" cstate="print"/>
           <a:stretch>
             <a:fillRect/>
           </a:stretch>
@@ -4242,9 +4460,11 @@
         <p:spPr/>
         <p:txBody>
           <a:bodyPr/>
+          <a:lstStyle/>
           <a:p>
             <a:fld id="{B6F15528-21DE-4FAA-801E-634DDDAF4B2B}" type="slidenum">
               <a:rPr/>
+              <a:t>14</a:t>
             </a:fld>
             <a:endParaRPr/>
           </a:p>
@@ -4269,6 +4489,7 @@
           <a:bodyPr vert="horz" wrap="square" lIns="0" tIns="12700" rIns="0" bIns="0" rtlCol="0">
             <a:spAutoFit/>
           </a:bodyPr>
+          <a:lstStyle/>
           <a:p>
             <a:pPr marL="12700">
               <a:lnSpc>
@@ -4327,7 +4548,7 @@
           <p:nvPr/>
         </p:nvPicPr>
         <p:blipFill>
-          <a:blip r:embed="rId1" cstate="print"/>
+          <a:blip r:embed="rId2" cstate="print"/>
           <a:stretch>
             <a:fillRect/>
           </a:stretch>
@@ -4401,9 +4622,11 @@
         <p:spPr/>
         <p:txBody>
           <a:bodyPr/>
+          <a:lstStyle/>
           <a:p>
             <a:fld id="{B6F15528-21DE-4FAA-801E-634DDDAF4B2B}" type="slidenum">
               <a:rPr/>
+              <a:t>15</a:t>
             </a:fld>
             <a:endParaRPr/>
           </a:p>
@@ -4428,6 +4651,7 @@
           <a:bodyPr vert="horz" wrap="square" lIns="0" tIns="19050" rIns="0" bIns="0" rtlCol="0">
             <a:spAutoFit/>
           </a:bodyPr>
+          <a:lstStyle/>
           <a:p>
             <a:pPr marL="12700" algn="ctr">
               <a:lnSpc>
@@ -4447,13 +4671,6 @@
               </a:rPr>
               <a:t>Assisted Practice</a:t>
             </a:r>
-            <a:endParaRPr sz="5400" dirty="0">
-              <a:solidFill>
-                <a:srgbClr val="FFFFFF"/>
-              </a:solidFill>
-              <a:latin typeface="Verdana" panose="020B0604030504040204"/>
-              <a:cs typeface="Verdana" panose="020B0604030504040204"/>
-            </a:endParaRPr>
           </a:p>
         </p:txBody>
       </p:sp>
@@ -4489,7 +4706,7 @@
           <p:nvPr/>
         </p:nvPicPr>
         <p:blipFill>
-          <a:blip r:embed="rId1" cstate="print"/>
+          <a:blip r:embed="rId2" cstate="print"/>
           <a:stretch>
             <a:fillRect/>
           </a:stretch>
@@ -4577,7 +4794,6 @@
               <a:rPr spc="5" dirty="0"/>
               <a:t>format</a:t>
             </a:r>
-            <a:endParaRPr spc="5" dirty="0"/>
           </a:p>
           <a:p>
             <a:pPr marL="4603750" marR="5080">
@@ -4656,7 +4872,6 @@
               <a:rPr spc="-5" dirty="0"/>
               <a:t>database</a:t>
             </a:r>
-            <a:endParaRPr spc="-5" dirty="0"/>
           </a:p>
         </p:txBody>
       </p:sp>
@@ -4819,7 +5034,6 @@
               <a:rPr spc="30" dirty="0"/>
               <a:t> MySQL Database</a:t>
             </a:r>
-            <a:endParaRPr spc="30" dirty="0"/>
           </a:p>
         </p:txBody>
       </p:sp>
@@ -4922,9 +5136,11 @@
         <p:spPr/>
         <p:txBody>
           <a:bodyPr/>
+          <a:lstStyle/>
           <a:p>
             <a:fld id="{B6F15528-21DE-4FAA-801E-634DDDAF4B2B}" type="slidenum">
               <a:rPr/>
+              <a:t>16</a:t>
             </a:fld>
             <a:endParaRPr/>
           </a:p>
@@ -5040,9 +5256,11 @@
         <p:spPr/>
         <p:txBody>
           <a:bodyPr/>
+          <a:lstStyle/>
           <a:p>
             <a:fld id="{B6F15528-21DE-4FAA-801E-634DDDAF4B2B}" type="slidenum">
               <a:rPr/>
+              <a:t>17</a:t>
             </a:fld>
             <a:endParaRPr/>
           </a:p>
@@ -5080,7 +5298,7 @@
           <p:nvPr/>
         </p:nvPicPr>
         <p:blipFill>
-          <a:blip r:embed="rId1" cstate="print"/>
+          <a:blip r:embed="rId2" cstate="print"/>
           <a:stretch>
             <a:fillRect/>
           </a:stretch>
@@ -5351,9 +5569,11 @@
         <p:spPr/>
         <p:txBody>
           <a:bodyPr/>
+          <a:lstStyle/>
           <a:p>
             <a:fld id="{B6F15528-21DE-4FAA-801E-634DDDAF4B2B}" type="slidenum">
               <a:rPr/>
+              <a:t>2</a:t>
             </a:fld>
             <a:endParaRPr/>
           </a:p>
@@ -5906,8 +6126,8 @@
         </p:nvSpPr>
         <p:spPr>
           <a:xfrm>
-            <a:off x="481022" y="4061459"/>
-            <a:ext cx="7954009" cy="1156335"/>
+            <a:off x="481021" y="4061459"/>
+            <a:ext cx="16892579" cy="1197764"/>
           </a:xfrm>
           <a:prstGeom prst="rect">
             <a:avLst/>
@@ -5995,9 +6215,28 @@
                 <a:latin typeface="Arial MT"/>
                 <a:cs typeface="Arial MT"/>
               </a:rPr>
-              <a:t>"jdbc:mysql://localhost:3306/loboticket"</a:t>
-            </a:r>
-            <a:endParaRPr sz="2600">
+              <a:t>"</a:t>
+            </a:r>
+            <a:r>
+              <a:rPr lang="en-US" sz="2800" spc="-10" dirty="0">
+                <a:solidFill>
+                  <a:srgbClr val="171717"/>
+                </a:solidFill>
+                <a:latin typeface="Arial MT"/>
+              </a:rPr>
+              <a:t>jdbc:sqlserver://localhost:1434;databaseName=loboticket; integratedSecurity=true;</a:t>
+            </a:r>
+            <a:r>
+              <a:rPr sz="2600" spc="-5" dirty="0">
+                <a:solidFill>
+                  <a:srgbClr val="404040"/>
+                </a:solidFill>
+                <a:latin typeface="Arial MT"/>
+                <a:cs typeface="Arial MT"/>
+              </a:rPr>
+              <a:t>"</a:t>
+            </a:r>
+            <a:endParaRPr sz="2600" dirty="0">
               <a:latin typeface="Arial MT"/>
               <a:cs typeface="Arial MT"/>
             </a:endParaRPr>
@@ -6011,7 +6250,7 @@
                 <a:spcPts val="15"/>
               </a:spcBef>
             </a:pPr>
-            <a:endParaRPr sz="2300">
+            <a:endParaRPr sz="2300" dirty="0">
               <a:latin typeface="Arial MT"/>
               <a:cs typeface="Arial MT"/>
             </a:endParaRPr>
@@ -6095,7 +6334,7 @@
               </a:rPr>
               <a:t>DriverManager.getConnection(url);</a:t>
             </a:r>
-            <a:endParaRPr sz="2600">
+            <a:endParaRPr sz="2600" dirty="0">
               <a:latin typeface="Arial MT"/>
               <a:cs typeface="Arial MT"/>
             </a:endParaRPr>
@@ -6115,9 +6354,11 @@
         <p:spPr/>
         <p:txBody>
           <a:bodyPr/>
+          <a:lstStyle/>
           <a:p>
             <a:fld id="{B6F15528-21DE-4FAA-801E-634DDDAF4B2B}" type="slidenum">
               <a:rPr/>
+              <a:t>3</a:t>
             </a:fld>
             <a:endParaRPr/>
           </a:p>
@@ -6189,7 +6430,6 @@
               <a:rPr spc="-260" dirty="0"/>
               <a:t>URLs</a:t>
             </a:r>
-            <a:endParaRPr spc="-260" dirty="0"/>
           </a:p>
         </p:txBody>
       </p:sp>
@@ -6201,8 +6441,8 @@
         </p:nvSpPr>
         <p:spPr>
           <a:xfrm>
-            <a:off x="3027278" y="5824220"/>
-            <a:ext cx="11859260" cy="848360"/>
+            <a:off x="3200400" y="5803421"/>
+            <a:ext cx="16078200" cy="2228815"/>
           </a:xfrm>
           <a:prstGeom prst="rect">
             <a:avLst/>
@@ -6223,16 +6463,53 @@
               </a:spcBef>
             </a:pPr>
             <a:r>
-              <a:rPr sz="5400" spc="95" dirty="0">
+              <a:rPr sz="4800" spc="95" dirty="0" err="1">
                 <a:solidFill>
                   <a:srgbClr val="171717"/>
                 </a:solidFill>
                 <a:latin typeface="Microsoft Sans Serif" panose="020B0604020202020204"/>
                 <a:cs typeface="Microsoft Sans Serif" panose="020B0604020202020204"/>
               </a:rPr>
-              <a:t>jdbc:mysql://localhost:3306/loboticket</a:t>
-            </a:r>
-            <a:endParaRPr sz="5400">
+              <a:t>jdbc</a:t>
+            </a:r>
+            <a:r>
+              <a:rPr sz="4800" spc="95" dirty="0">
+                <a:solidFill>
+                  <a:srgbClr val="171717"/>
+                </a:solidFill>
+                <a:latin typeface="Microsoft Sans Serif" panose="020B0604020202020204"/>
+                <a:cs typeface="Microsoft Sans Serif" panose="020B0604020202020204"/>
+              </a:rPr>
+              <a:t>:</a:t>
+            </a:r>
+            <a:r>
+              <a:rPr lang="en-US" sz="4800" spc="-10" dirty="0">
+                <a:solidFill>
+                  <a:srgbClr val="171717"/>
+                </a:solidFill>
+                <a:latin typeface="Arial MT"/>
+              </a:rPr>
+              <a:t> sqlserver://localhost:1434;            										                                        							                                     </a:t>
+            </a:r>
+            <a:r>
+              <a:rPr lang="en-US" sz="4800" spc="-10" dirty="0" err="1">
+                <a:solidFill>
+                  <a:srgbClr val="171717"/>
+                </a:solidFill>
+                <a:latin typeface="Arial MT"/>
+              </a:rPr>
+              <a:t>databaseName</a:t>
+            </a:r>
+            <a:r>
+              <a:rPr lang="en-US" sz="4800" spc="-10" dirty="0">
+                <a:solidFill>
+                  <a:srgbClr val="171717"/>
+                </a:solidFill>
+                <a:latin typeface="Arial MT"/>
+              </a:rPr>
+              <a:t>=loboticket;</a:t>
+            </a:r>
+            <a:endParaRPr sz="4800" dirty="0">
               <a:latin typeface="Microsoft Sans Serif" panose="020B0604020202020204"/>
               <a:cs typeface="Microsoft Sans Serif" panose="020B0604020202020204"/>
             </a:endParaRPr>
@@ -6300,7 +6577,9 @@
           <p:txBody>
             <a:bodyPr wrap="square" lIns="0" tIns="0" rIns="0" bIns="0" rtlCol="0"/>
             <a:lstStyle/>
-            <a:p/>
+            <a:p>
+              <a:endParaRPr/>
+            </a:p>
           </p:txBody>
         </p:sp>
         <p:sp>
@@ -6340,7 +6619,9 @@
           <p:txBody>
             <a:bodyPr wrap="square" lIns="0" tIns="0" rIns="0" bIns="0" rtlCol="0"/>
             <a:lstStyle/>
-            <a:p/>
+            <a:p>
+              <a:endParaRPr/>
+            </a:p>
           </p:txBody>
         </p:sp>
       </p:grpSp>
@@ -6584,7 +6865,9 @@
         <p:txBody>
           <a:bodyPr wrap="square" lIns="0" tIns="0" rIns="0" bIns="0" rtlCol="0"/>
           <a:lstStyle/>
-          <a:p/>
+          <a:p>
+            <a:endParaRPr/>
+          </a:p>
         </p:txBody>
       </p:sp>
       <p:sp>
@@ -6600,9 +6883,11 @@
         <p:spPr/>
         <p:txBody>
           <a:bodyPr/>
+          <a:lstStyle/>
           <a:p>
             <a:fld id="{B6F15528-21DE-4FAA-801E-634DDDAF4B2B}" type="slidenum">
               <a:rPr/>
+              <a:t>4</a:t>
             </a:fld>
             <a:endParaRPr/>
           </a:p>
@@ -6674,7 +6959,6 @@
               <a:rPr spc="-260" dirty="0"/>
               <a:t>URLs</a:t>
             </a:r>
-            <a:endParaRPr spc="-260" dirty="0"/>
           </a:p>
         </p:txBody>
       </p:sp>
@@ -6687,7 +6971,7 @@
         <p:spPr>
           <a:xfrm>
             <a:off x="3027278" y="5824220"/>
-            <a:ext cx="11859260" cy="848360"/>
+            <a:ext cx="13965322" cy="1674817"/>
           </a:xfrm>
           <a:prstGeom prst="rect">
             <a:avLst/>
@@ -6708,16 +6992,100 @@
               </a:spcBef>
             </a:pPr>
             <a:r>
-              <a:rPr sz="5400" spc="95" dirty="0">
+              <a:rPr sz="5400" spc="95" dirty="0" err="1">
                 <a:solidFill>
                   <a:srgbClr val="171717"/>
                 </a:solidFill>
                 <a:latin typeface="Microsoft Sans Serif" panose="020B0604020202020204"/>
                 <a:cs typeface="Microsoft Sans Serif" panose="020B0604020202020204"/>
               </a:rPr>
-              <a:t>jdbc:mysql://localhost:3306/loboticket</a:t>
-            </a:r>
-            <a:endParaRPr sz="5400">
+              <a:t>jdbc</a:t>
+            </a:r>
+            <a:r>
+              <a:rPr sz="5400" spc="95" dirty="0">
+                <a:solidFill>
+                  <a:srgbClr val="171717"/>
+                </a:solidFill>
+                <a:latin typeface="Microsoft Sans Serif" panose="020B0604020202020204"/>
+                <a:cs typeface="Microsoft Sans Serif" panose="020B0604020202020204"/>
+              </a:rPr>
+              <a:t>:</a:t>
+            </a:r>
+            <a:r>
+              <a:rPr lang="en-US" sz="5400" spc="-10" dirty="0">
+                <a:solidFill>
+                  <a:srgbClr val="171717"/>
+                </a:solidFill>
+                <a:latin typeface="Arial MT"/>
+              </a:rPr>
+              <a:t> </a:t>
+            </a:r>
+            <a:r>
+              <a:rPr lang="en-US" sz="5400" spc="-10" dirty="0" err="1">
+                <a:solidFill>
+                  <a:srgbClr val="171717"/>
+                </a:solidFill>
+                <a:latin typeface="Arial MT"/>
+              </a:rPr>
+              <a:t>sqlserver</a:t>
+            </a:r>
+            <a:r>
+              <a:rPr lang="en-US" sz="5400" spc="-10" dirty="0">
+                <a:solidFill>
+                  <a:srgbClr val="171717"/>
+                </a:solidFill>
+                <a:latin typeface="Arial MT"/>
+              </a:rPr>
+              <a:t> </a:t>
+            </a:r>
+            <a:r>
+              <a:rPr sz="5400" spc="95" dirty="0">
+                <a:solidFill>
+                  <a:srgbClr val="171717"/>
+                </a:solidFill>
+                <a:latin typeface="Microsoft Sans Serif" panose="020B0604020202020204"/>
+                <a:cs typeface="Microsoft Sans Serif" panose="020B0604020202020204"/>
+              </a:rPr>
+              <a:t>://localhost:</a:t>
+            </a:r>
+            <a:r>
+              <a:rPr lang="en-US" sz="5400" spc="95" dirty="0">
+                <a:solidFill>
+                  <a:srgbClr val="171717"/>
+                </a:solidFill>
+                <a:latin typeface="Microsoft Sans Serif" panose="020B0604020202020204"/>
+                <a:cs typeface="Microsoft Sans Serif" panose="020B0604020202020204"/>
+              </a:rPr>
+              <a:t>1434;</a:t>
+            </a:r>
+            <a:r>
+              <a:rPr lang="en-US" sz="5400" spc="-10" dirty="0">
+                <a:solidFill>
+                  <a:srgbClr val="171717"/>
+                </a:solidFill>
+                <a:latin typeface="Arial MT"/>
+              </a:rPr>
+              <a:t> 				       					      </a:t>
+            </a:r>
+            <a:r>
+              <a:rPr lang="en-US" sz="5400" spc="-10" dirty="0" err="1">
+                <a:solidFill>
+                  <a:srgbClr val="171717"/>
+                </a:solidFill>
+                <a:latin typeface="Arial MT"/>
+              </a:rPr>
+              <a:t>databaseName</a:t>
+            </a:r>
+            <a:r>
+              <a:rPr lang="en-US" sz="5400" spc="-10" dirty="0">
+                <a:solidFill>
+                  <a:srgbClr val="171717"/>
+                </a:solidFill>
+                <a:latin typeface="Arial MT"/>
+              </a:rPr>
+              <a:t>=loboticket;</a:t>
+            </a:r>
+            <a:endParaRPr sz="5400" dirty="0">
               <a:latin typeface="Microsoft Sans Serif" panose="020B0604020202020204"/>
               <a:cs typeface="Microsoft Sans Serif" panose="020B0604020202020204"/>
             </a:endParaRPr>
@@ -6732,10 +7100,10 @@
         </p:nvGrpSpPr>
         <p:grpSpPr>
           <a:xfrm>
-            <a:off x="4544034" y="4248148"/>
-            <a:ext cx="1995805" cy="2621280"/>
-            <a:chOff x="4544034" y="4248148"/>
-            <a:chExt cx="1995805" cy="2621280"/>
+            <a:off x="4563084" y="4267198"/>
+            <a:ext cx="2980716" cy="2583150"/>
+            <a:chOff x="4563084" y="4267198"/>
+            <a:chExt cx="2980716" cy="2583150"/>
           </a:xfrm>
         </p:grpSpPr>
         <p:sp>
@@ -6747,7 +7115,7 @@
           <p:spPr>
             <a:xfrm>
               <a:off x="4563084" y="5727033"/>
-              <a:ext cx="1957705" cy="1123315"/>
+              <a:ext cx="2980716" cy="1123315"/>
             </a:xfrm>
             <a:custGeom>
               <a:avLst/>
@@ -6785,7 +7153,9 @@
           <p:txBody>
             <a:bodyPr wrap="square" lIns="0" tIns="0" rIns="0" bIns="0" rtlCol="0"/>
             <a:lstStyle/>
-            <a:p/>
+            <a:p>
+              <a:endParaRPr/>
+            </a:p>
           </p:txBody>
         </p:sp>
         <p:sp>
@@ -6825,7 +7195,9 @@
           <p:txBody>
             <a:bodyPr wrap="square" lIns="0" tIns="0" rIns="0" bIns="0" rtlCol="0"/>
             <a:lstStyle/>
-            <a:p/>
+            <a:p>
+              <a:endParaRPr/>
+            </a:p>
           </p:txBody>
         </p:sp>
       </p:grpSp>
@@ -6949,8 +7321,8 @@
         </p:nvSpPr>
         <p:spPr>
           <a:xfrm>
-            <a:off x="4707910" y="7169740"/>
-            <a:ext cx="1735455" cy="264160"/>
+            <a:off x="4563084" y="7186898"/>
+            <a:ext cx="2980716" cy="247002"/>
           </a:xfrm>
           <a:custGeom>
             <a:avLst/>
@@ -7029,7 +7401,9 @@
         <p:txBody>
           <a:bodyPr wrap="square" lIns="0" tIns="0" rIns="0" bIns="0" rtlCol="0"/>
           <a:lstStyle/>
-          <a:p/>
+          <a:p>
+            <a:endParaRPr/>
+          </a:p>
         </p:txBody>
       </p:sp>
       <p:sp>
@@ -7045,9 +7419,11 @@
         <p:spPr/>
         <p:txBody>
           <a:bodyPr/>
+          <a:lstStyle/>
           <a:p>
             <a:fld id="{B6F15528-21DE-4FAA-801E-634DDDAF4B2B}" type="slidenum">
               <a:rPr/>
+              <a:t>5</a:t>
             </a:fld>
             <a:endParaRPr/>
           </a:p>
@@ -7078,97 +7454,6 @@
           <a:chExt cx="0" cy="0"/>
         </a:xfrm>
       </p:grpSpPr>
-      <p:sp>
-        <p:nvSpPr>
-          <p:cNvPr id="2" name="object 2"/>
-          <p:cNvSpPr txBox="1">
-            <a:spLocks noGrp="1"/>
-          </p:cNvSpPr>
-          <p:nvPr>
-            <p:ph type="title"/>
-          </p:nvPr>
-        </p:nvSpPr>
-        <p:spPr>
-          <a:prstGeom prst="rect">
-            <a:avLst/>
-          </a:prstGeom>
-        </p:spPr>
-        <p:txBody>
-          <a:bodyPr vert="horz" wrap="square" lIns="0" tIns="12700" rIns="0" bIns="0" rtlCol="0">
-            <a:spAutoFit/>
-          </a:bodyPr>
-          <a:lstStyle/>
-          <a:p>
-            <a:pPr marL="13970">
-              <a:lnSpc>
-                <a:spcPct val="100000"/>
-              </a:lnSpc>
-              <a:spcBef>
-                <a:spcPts val="100"/>
-              </a:spcBef>
-            </a:pPr>
-            <a:r>
-              <a:rPr spc="-30" dirty="0"/>
-              <a:t>JDBC</a:t>
-            </a:r>
-            <a:r>
-              <a:rPr spc="-204" dirty="0"/>
-              <a:t> </a:t>
-            </a:r>
-            <a:r>
-              <a:rPr spc="-260" dirty="0"/>
-              <a:t>URLs</a:t>
-            </a:r>
-            <a:endParaRPr spc="-260" dirty="0"/>
-          </a:p>
-        </p:txBody>
-      </p:sp>
-      <p:sp>
-        <p:nvSpPr>
-          <p:cNvPr id="3" name="object 3"/>
-          <p:cNvSpPr txBox="1"/>
-          <p:nvPr/>
-        </p:nvSpPr>
-        <p:spPr>
-          <a:xfrm>
-            <a:off x="3027278" y="5824220"/>
-            <a:ext cx="11859260" cy="848360"/>
-          </a:xfrm>
-          <a:prstGeom prst="rect">
-            <a:avLst/>
-          </a:prstGeom>
-        </p:spPr>
-        <p:txBody>
-          <a:bodyPr vert="horz" wrap="square" lIns="0" tIns="12700" rIns="0" bIns="0" rtlCol="0">
-            <a:spAutoFit/>
-          </a:bodyPr>
-          <a:lstStyle/>
-          <a:p>
-            <a:pPr marL="12700">
-              <a:lnSpc>
-                <a:spcPct val="100000"/>
-              </a:lnSpc>
-              <a:spcBef>
-                <a:spcPts val="100"/>
-              </a:spcBef>
-            </a:pPr>
-            <a:r>
-              <a:rPr sz="5400" spc="95" dirty="0">
-                <a:solidFill>
-                  <a:srgbClr val="171717"/>
-                </a:solidFill>
-                <a:latin typeface="Microsoft Sans Serif" panose="020B0604020202020204"/>
-                <a:cs typeface="Microsoft Sans Serif" panose="020B0604020202020204"/>
-              </a:rPr>
-              <a:t>jdbc:mysql://localhost:3306/loboticket</a:t>
-            </a:r>
-            <a:endParaRPr sz="5400">
-              <a:latin typeface="Microsoft Sans Serif" panose="020B0604020202020204"/>
-              <a:cs typeface="Microsoft Sans Serif" panose="020B0604020202020204"/>
-            </a:endParaRPr>
-          </a:p>
-        </p:txBody>
-      </p:sp>
       <p:grpSp>
         <p:nvGrpSpPr>
           <p:cNvPr id="4" name="object 4"/>
@@ -7177,10 +7462,10 @@
         </p:nvGrpSpPr>
         <p:grpSpPr>
           <a:xfrm>
-            <a:off x="5965543" y="4248147"/>
-            <a:ext cx="9073515" cy="2621280"/>
-            <a:chOff x="5965543" y="4248147"/>
-            <a:chExt cx="9073515" cy="2621280"/>
+            <a:off x="6091489" y="4252863"/>
+            <a:ext cx="11815511" cy="3222370"/>
+            <a:chOff x="5984593" y="4267197"/>
+            <a:chExt cx="9035474" cy="2583149"/>
           </a:xfrm>
         </p:grpSpPr>
         <p:sp>
@@ -7191,8 +7476,8 @@
           </p:nvSpPr>
           <p:spPr>
             <a:xfrm>
-              <a:off x="6514876" y="5727031"/>
-              <a:ext cx="8505190" cy="1123315"/>
+              <a:off x="6386218" y="5523029"/>
+              <a:ext cx="8633849" cy="1327317"/>
             </a:xfrm>
             <a:custGeom>
               <a:avLst/>
@@ -7230,7 +7515,9 @@
           <p:txBody>
             <a:bodyPr wrap="square" lIns="0" tIns="0" rIns="0" bIns="0" rtlCol="0"/>
             <a:lstStyle/>
-            <a:p/>
+            <a:p>
+              <a:endParaRPr/>
+            </a:p>
           </p:txBody>
         </p:sp>
         <p:sp>
@@ -7240,7 +7527,7 @@
             <p:nvPr/>
           </p:nvSpPr>
           <p:spPr>
-            <a:xfrm>
+            <a:xfrm rot="21244557">
               <a:off x="5984593" y="4267197"/>
               <a:ext cx="4782820" cy="1459865"/>
             </a:xfrm>
@@ -7270,20 +7557,66 @@
           <p:txBody>
             <a:bodyPr wrap="square" lIns="0" tIns="0" rIns="0" bIns="0" rtlCol="0"/>
             <a:lstStyle/>
-            <a:p/>
+            <a:p>
+              <a:endParaRPr dirty="0"/>
+            </a:p>
           </p:txBody>
         </p:sp>
       </p:grpSp>
       <p:sp>
         <p:nvSpPr>
-          <p:cNvPr id="7" name="object 7"/>
+          <p:cNvPr id="2" name="object 2"/>
+          <p:cNvSpPr txBox="1">
+            <a:spLocks noGrp="1"/>
+          </p:cNvSpPr>
+          <p:nvPr>
+            <p:ph type="title"/>
+          </p:nvPr>
+        </p:nvSpPr>
+        <p:spPr>
+          <a:prstGeom prst="rect">
+            <a:avLst/>
+          </a:prstGeom>
+        </p:spPr>
+        <p:txBody>
+          <a:bodyPr vert="horz" wrap="square" lIns="0" tIns="12700" rIns="0" bIns="0" rtlCol="0">
+            <a:spAutoFit/>
+          </a:bodyPr>
+          <a:lstStyle/>
+          <a:p>
+            <a:pPr marL="13970">
+              <a:lnSpc>
+                <a:spcPct val="100000"/>
+              </a:lnSpc>
+              <a:spcBef>
+                <a:spcPts val="100"/>
+              </a:spcBef>
+            </a:pPr>
+            <a:r>
+              <a:rPr spc="-30" dirty="0"/>
+              <a:t>JDBC</a:t>
+            </a:r>
+            <a:r>
+              <a:rPr spc="-204" dirty="0"/>
+              <a:t> </a:t>
+            </a:r>
+            <a:r>
+              <a:rPr spc="-260" dirty="0"/>
+              <a:t>URLs</a:t>
+            </a:r>
+          </a:p>
+        </p:txBody>
+      </p:sp>
+      <p:sp>
+        <p:nvSpPr>
+          <p:cNvPr id="3" name="object 3"/>
           <p:cNvSpPr txBox="1"/>
           <p:nvPr/>
         </p:nvSpPr>
         <p:spPr>
           <a:xfrm>
-            <a:off x="5964769" y="3468623"/>
-            <a:ext cx="7280909" cy="558800"/>
+            <a:off x="3027278" y="5824220"/>
+            <a:ext cx="15108322" cy="1674817"/>
           </a:xfrm>
           <a:prstGeom prst="rect">
             <a:avLst/>
@@ -7304,92 +7637,59 @@
               </a:spcBef>
             </a:pPr>
             <a:r>
-              <a:rPr sz="3500" spc="75" dirty="0">
+              <a:rPr sz="5400" spc="95" dirty="0">
                 <a:solidFill>
                   <a:srgbClr val="171717"/>
                 </a:solidFill>
-                <a:latin typeface="Tahoma" panose="020B0604030504040204"/>
-                <a:cs typeface="Tahoma" panose="020B0604030504040204"/>
-              </a:rPr>
-              <a:t>Database</a:t>
-            </a:r>
-            <a:r>
-              <a:rPr sz="3500" spc="-235" dirty="0">
+                <a:latin typeface="Microsoft Sans Serif" panose="020B0604020202020204"/>
+                <a:cs typeface="Microsoft Sans Serif" panose="020B0604020202020204"/>
+              </a:rPr>
+              <a:t>jdbc:mysql://localhost:3306/</a:t>
+            </a:r>
+            <a:r>
+              <a:rPr lang="en-US" sz="5400" spc="-10" dirty="0">
                 <a:solidFill>
                   <a:srgbClr val="171717"/>
                 </a:solidFill>
-                <a:latin typeface="Tahoma" panose="020B0604030504040204"/>
-                <a:cs typeface="Tahoma" panose="020B0604030504040204"/>
-              </a:rPr>
-              <a:t> </a:t>
-            </a:r>
-            <a:r>
-              <a:rPr sz="3500" spc="125" dirty="0">
+                <a:latin typeface="Arial MT"/>
+              </a:rPr>
+              <a:t> 				   										</a:t>
+            </a:r>
+            <a:r>
+              <a:rPr lang="en-US" sz="5400" spc="-10" dirty="0" err="1">
                 <a:solidFill>
                   <a:srgbClr val="171717"/>
                 </a:solidFill>
-                <a:latin typeface="Tahoma" panose="020B0604030504040204"/>
-                <a:cs typeface="Tahoma" panose="020B0604030504040204"/>
-              </a:rPr>
-              <a:t>specific</a:t>
-            </a:r>
-            <a:r>
-              <a:rPr sz="3500" spc="-235" dirty="0">
+                <a:latin typeface="Arial MT"/>
+              </a:rPr>
+              <a:t>databaseName</a:t>
+            </a:r>
+            <a:r>
+              <a:rPr lang="en-US" sz="5400" spc="-10" dirty="0">
                 <a:solidFill>
                   <a:srgbClr val="171717"/>
                 </a:solidFill>
-                <a:latin typeface="Tahoma" panose="020B0604030504040204"/>
-                <a:cs typeface="Tahoma" panose="020B0604030504040204"/>
-              </a:rPr>
-              <a:t> </a:t>
-            </a:r>
-            <a:r>
-              <a:rPr sz="3500" spc="135" dirty="0">
-                <a:solidFill>
-                  <a:srgbClr val="171717"/>
-                </a:solidFill>
-                <a:latin typeface="Tahoma" panose="020B0604030504040204"/>
-                <a:cs typeface="Tahoma" panose="020B0604030504040204"/>
-              </a:rPr>
-              <a:t>connection</a:t>
-            </a:r>
-            <a:r>
-              <a:rPr sz="3500" spc="-235" dirty="0">
-                <a:solidFill>
-                  <a:srgbClr val="171717"/>
-                </a:solidFill>
-                <a:latin typeface="Tahoma" panose="020B0604030504040204"/>
-                <a:cs typeface="Tahoma" panose="020B0604030504040204"/>
-              </a:rPr>
-              <a:t> </a:t>
-            </a:r>
-            <a:r>
-              <a:rPr sz="3500" spc="65" dirty="0">
-                <a:solidFill>
-                  <a:srgbClr val="171717"/>
-                </a:solidFill>
-                <a:latin typeface="Tahoma" panose="020B0604030504040204"/>
-                <a:cs typeface="Tahoma" panose="020B0604030504040204"/>
-              </a:rPr>
-              <a:t>string</a:t>
-            </a:r>
-            <a:endParaRPr sz="3500">
-              <a:latin typeface="Tahoma" panose="020B0604030504040204"/>
-              <a:cs typeface="Tahoma" panose="020B0604030504040204"/>
+                <a:latin typeface="Arial MT"/>
+              </a:rPr>
+              <a:t>=loboticket;</a:t>
+            </a:r>
+            <a:endParaRPr sz="5400" dirty="0">
+              <a:latin typeface="Microsoft Sans Serif" panose="020B0604020202020204"/>
+              <a:cs typeface="Microsoft Sans Serif" panose="020B0604020202020204"/>
             </a:endParaRPr>
           </a:p>
         </p:txBody>
       </p:sp>
       <p:sp>
         <p:nvSpPr>
-          <p:cNvPr id="8" name="object 8"/>
+          <p:cNvPr id="7" name="object 7"/>
           <p:cNvSpPr txBox="1"/>
           <p:nvPr/>
         </p:nvSpPr>
         <p:spPr>
           <a:xfrm>
-            <a:off x="10012268" y="7559040"/>
-            <a:ext cx="1938655" cy="558800"/>
+            <a:off x="3027278" y="3839609"/>
+            <a:ext cx="7280909" cy="558800"/>
           </a:xfrm>
           <a:prstGeom prst="rect">
             <a:avLst/>
@@ -7410,66 +7710,76 @@
               </a:spcBef>
             </a:pPr>
             <a:r>
-              <a:rPr sz="3500" spc="90" dirty="0">
+              <a:rPr sz="3500" spc="75" dirty="0">
                 <a:solidFill>
                   <a:srgbClr val="171717"/>
                 </a:solidFill>
                 <a:latin typeface="Tahoma" panose="020B0604030504040204"/>
                 <a:cs typeface="Tahoma" panose="020B0604030504040204"/>
               </a:rPr>
-              <a:t>Su</a:t>
-            </a:r>
-            <a:r>
-              <a:rPr sz="3500" spc="200" dirty="0">
+              <a:t>Database</a:t>
+            </a:r>
+            <a:r>
+              <a:rPr sz="3500" spc="-235" dirty="0">
                 <a:solidFill>
                   <a:srgbClr val="171717"/>
                 </a:solidFill>
                 <a:latin typeface="Tahoma" panose="020B0604030504040204"/>
                 <a:cs typeface="Tahoma" panose="020B0604030504040204"/>
               </a:rPr>
-              <a:t>b</a:t>
-            </a:r>
-            <a:r>
-              <a:rPr sz="3500" spc="75" dirty="0">
+              <a:t> </a:t>
+            </a:r>
+            <a:r>
+              <a:rPr sz="3500" spc="125" dirty="0">
                 <a:solidFill>
                   <a:srgbClr val="171717"/>
                 </a:solidFill>
                 <a:latin typeface="Tahoma" panose="020B0604030504040204"/>
                 <a:cs typeface="Tahoma" panose="020B0604030504040204"/>
               </a:rPr>
-              <a:t>n</a:t>
-            </a:r>
-            <a:r>
-              <a:rPr sz="3500" spc="65" dirty="0">
+              <a:t>specific</a:t>
+            </a:r>
+            <a:r>
+              <a:rPr sz="3500" spc="-235" dirty="0">
                 <a:solidFill>
                   <a:srgbClr val="171717"/>
                 </a:solidFill>
                 <a:latin typeface="Tahoma" panose="020B0604030504040204"/>
                 <a:cs typeface="Tahoma" panose="020B0604030504040204"/>
               </a:rPr>
-              <a:t>a</a:t>
-            </a:r>
-            <a:r>
-              <a:rPr sz="3500" spc="-10" dirty="0">
+              <a:t> </a:t>
+            </a:r>
+            <a:r>
+              <a:rPr sz="3500" spc="135" dirty="0">
                 <a:solidFill>
                   <a:srgbClr val="171717"/>
                 </a:solidFill>
                 <a:latin typeface="Tahoma" panose="020B0604030504040204"/>
                 <a:cs typeface="Tahoma" panose="020B0604030504040204"/>
               </a:rPr>
-              <a:t>m</a:t>
-            </a:r>
-            <a:r>
-              <a:rPr sz="3500" spc="114" dirty="0">
+              <a:t>connection</a:t>
+            </a:r>
+            <a:r>
+              <a:rPr sz="3500" spc="-235" dirty="0">
                 <a:solidFill>
                   <a:srgbClr val="171717"/>
                 </a:solidFill>
                 <a:latin typeface="Tahoma" panose="020B0604030504040204"/>
                 <a:cs typeface="Tahoma" panose="020B0604030504040204"/>
               </a:rPr>
-              <a:t>e</a:t>
-            </a:r>
-            <a:endParaRPr sz="3500">
+              <a:t> </a:t>
+            </a:r>
+            <a:r>
+              <a:rPr sz="3500" spc="65" dirty="0">
+                <a:solidFill>
+                  <a:srgbClr val="171717"/>
+                </a:solidFill>
+                <a:latin typeface="Tahoma" panose="020B0604030504040204"/>
+                <a:cs typeface="Tahoma" panose="020B0604030504040204"/>
+              </a:rPr>
+              <a:t>string</a:t>
+            </a:r>
+            <a:endParaRPr sz="3500" dirty="0">
               <a:latin typeface="Tahoma" panose="020B0604030504040204"/>
               <a:cs typeface="Tahoma" panose="020B0604030504040204"/>
             </a:endParaRPr>
@@ -7478,14 +7788,110 @@
       </p:sp>
       <p:sp>
         <p:nvSpPr>
+          <p:cNvPr id="8" name="object 8"/>
+          <p:cNvSpPr txBox="1"/>
+          <p:nvPr/>
+        </p:nvSpPr>
+        <p:spPr>
+          <a:xfrm>
+            <a:off x="10020617" y="8444919"/>
+            <a:ext cx="1938655" cy="558800"/>
+          </a:xfrm>
+          <a:prstGeom prst="rect">
+            <a:avLst/>
+          </a:prstGeom>
+        </p:spPr>
+        <p:txBody>
+          <a:bodyPr vert="horz" wrap="square" lIns="0" tIns="12700" rIns="0" bIns="0" rtlCol="0">
+            <a:spAutoFit/>
+          </a:bodyPr>
+          <a:lstStyle/>
+          <a:p>
+            <a:pPr marL="12700">
+              <a:lnSpc>
+                <a:spcPct val="100000"/>
+              </a:lnSpc>
+              <a:spcBef>
+                <a:spcPts val="100"/>
+              </a:spcBef>
+            </a:pPr>
+            <a:r>
+              <a:rPr sz="3500" spc="90" dirty="0">
+                <a:solidFill>
+                  <a:srgbClr val="171717"/>
+                </a:solidFill>
+                <a:latin typeface="Tahoma" panose="020B0604030504040204"/>
+                <a:cs typeface="Tahoma" panose="020B0604030504040204"/>
+              </a:rPr>
+              <a:t>Su</a:t>
+            </a:r>
+            <a:r>
+              <a:rPr sz="3500" spc="200" dirty="0">
+                <a:solidFill>
+                  <a:srgbClr val="171717"/>
+                </a:solidFill>
+                <a:latin typeface="Tahoma" panose="020B0604030504040204"/>
+                <a:cs typeface="Tahoma" panose="020B0604030504040204"/>
+              </a:rPr>
+              <a:t>b</a:t>
+            </a:r>
+            <a:r>
+              <a:rPr sz="3500" spc="75" dirty="0">
+                <a:solidFill>
+                  <a:srgbClr val="171717"/>
+                </a:solidFill>
+                <a:latin typeface="Tahoma" panose="020B0604030504040204"/>
+                <a:cs typeface="Tahoma" panose="020B0604030504040204"/>
+              </a:rPr>
+              <a:t>n</a:t>
+            </a:r>
+            <a:r>
+              <a:rPr sz="3500" spc="65" dirty="0">
+                <a:solidFill>
+                  <a:srgbClr val="171717"/>
+                </a:solidFill>
+                <a:latin typeface="Tahoma" panose="020B0604030504040204"/>
+                <a:cs typeface="Tahoma" panose="020B0604030504040204"/>
+              </a:rPr>
+              <a:t>a</a:t>
+            </a:r>
+            <a:r>
+              <a:rPr sz="3500" spc="-10" dirty="0">
+                <a:solidFill>
+                  <a:srgbClr val="171717"/>
+                </a:solidFill>
+                <a:latin typeface="Tahoma" panose="020B0604030504040204"/>
+                <a:cs typeface="Tahoma" panose="020B0604030504040204"/>
+              </a:rPr>
+              <a:t>m</a:t>
+            </a:r>
+            <a:r>
+              <a:rPr sz="3500" spc="114" dirty="0">
+                <a:solidFill>
+                  <a:srgbClr val="171717"/>
+                </a:solidFill>
+                <a:latin typeface="Tahoma" panose="020B0604030504040204"/>
+                <a:cs typeface="Tahoma" panose="020B0604030504040204"/>
+              </a:rPr>
+              <a:t>e</a:t>
+            </a:r>
+            <a:endParaRPr sz="3500" dirty="0">
+              <a:latin typeface="Tahoma" panose="020B0604030504040204"/>
+              <a:cs typeface="Tahoma" panose="020B0604030504040204"/>
+            </a:endParaRPr>
+          </a:p>
+        </p:txBody>
+      </p:sp>
+      <p:sp>
+        <p:nvSpPr>
           <p:cNvPr id="9" name="object 9"/>
           <p:cNvSpPr/>
           <p:nvPr/>
         </p:nvSpPr>
         <p:spPr>
           <a:xfrm>
-            <a:off x="6514876" y="7169735"/>
-            <a:ext cx="8505190" cy="230504"/>
+            <a:off x="6514877" y="7640581"/>
+            <a:ext cx="11290314" cy="307593"/>
           </a:xfrm>
           <a:custGeom>
             <a:avLst/>
@@ -7564,7 +7970,9 @@
         <p:txBody>
           <a:bodyPr wrap="square" lIns="0" tIns="0" rIns="0" bIns="0" rtlCol="0"/>
           <a:lstStyle/>
-          <a:p/>
+          <a:p>
+            <a:endParaRPr/>
+          </a:p>
         </p:txBody>
       </p:sp>
       <p:sp>
@@ -7580,9 +7988,11 @@
         <p:spPr/>
         <p:txBody>
           <a:bodyPr/>
+          <a:lstStyle/>
           <a:p>
             <a:fld id="{B6F15528-21DE-4FAA-801E-634DDDAF4B2B}" type="slidenum">
               <a:rPr/>
+              <a:t>6</a:t>
             </a:fld>
             <a:endParaRPr/>
           </a:p>
@@ -7658,7 +8068,9 @@
         <p:txBody>
           <a:bodyPr wrap="square" lIns="0" tIns="0" rIns="0" bIns="0" rtlCol="0"/>
           <a:lstStyle/>
-          <a:p/>
+          <a:p>
+            <a:endParaRPr/>
+          </a:p>
         </p:txBody>
       </p:sp>
       <p:sp>
@@ -7714,7 +8126,6 @@
               <a:rPr spc="-260" dirty="0"/>
               <a:t>URLs</a:t>
             </a:r>
-            <a:endParaRPr spc="-260" dirty="0"/>
           </a:p>
         </p:txBody>
       </p:sp>
@@ -7757,7 +8168,7 @@
               </a:rPr>
               <a:t>jdbc:postgresql://localhost/loboticket</a:t>
             </a:r>
-            <a:endParaRPr sz="2600">
+            <a:endParaRPr sz="2600" dirty="0">
               <a:latin typeface="Arial MT"/>
               <a:cs typeface="Arial MT"/>
             </a:endParaRPr>
@@ -7771,7 +8182,7 @@
                 <a:spcPts val="40"/>
               </a:spcBef>
             </a:pPr>
-            <a:endParaRPr sz="2300">
+            <a:endParaRPr sz="2300" dirty="0">
               <a:latin typeface="Arial MT"/>
               <a:cs typeface="Arial MT"/>
             </a:endParaRPr>
@@ -7792,7 +8203,7 @@
               </a:rPr>
               <a:t>jdbc:mysql://localhost:3306/loboticket</a:t>
             </a:r>
-            <a:endParaRPr sz="2600">
+            <a:endParaRPr sz="2600" dirty="0">
               <a:latin typeface="Arial MT"/>
               <a:cs typeface="Arial MT"/>
             </a:endParaRPr>
@@ -7827,7 +8238,7 @@
               <a:t> </a:t>
             </a:r>
             <a:r>
-              <a:rPr sz="2600" spc="-5" dirty="0">
+              <a:rPr sz="2600" spc="-5" dirty="0" err="1">
                 <a:solidFill>
                   <a:srgbClr val="404040"/>
                 </a:solidFill>
@@ -7836,7 +8247,7 @@
               </a:rPr>
               <a:t>jdbc:derby:loboticket</a:t>
             </a:r>
-            <a:endParaRPr sz="2600">
+            <a:endParaRPr sz="2600" dirty="0">
               <a:latin typeface="Arial MT"/>
               <a:cs typeface="Arial MT"/>
             </a:endParaRPr>
@@ -7856,9 +8267,11 @@
         <p:spPr/>
         <p:txBody>
           <a:bodyPr/>
+          <a:lstStyle/>
           <a:p>
             <a:fld id="{B6F15528-21DE-4FAA-801E-634DDDAF4B2B}" type="slidenum">
               <a:rPr/>
+              <a:t>7</a:t>
             </a:fld>
             <a:endParaRPr/>
           </a:p>
@@ -7934,7 +8347,9 @@
         <p:txBody>
           <a:bodyPr wrap="square" lIns="0" tIns="0" rIns="0" bIns="0" rtlCol="0"/>
           <a:lstStyle/>
-          <a:p/>
+          <a:p>
+            <a:endParaRPr/>
+          </a:p>
         </p:txBody>
       </p:sp>
       <p:sp>
@@ -7998,7 +8413,6 @@
               <a:rPr spc="-60" dirty="0"/>
               <a:t>Database</a:t>
             </a:r>
-            <a:endParaRPr spc="-60" dirty="0"/>
           </a:p>
         </p:txBody>
       </p:sp>
@@ -8011,7 +8425,7 @@
         <p:spPr>
           <a:xfrm>
             <a:off x="481022" y="3494532"/>
-            <a:ext cx="11988165" cy="4116070"/>
+            <a:ext cx="17806978" cy="3444533"/>
           </a:xfrm>
           <a:prstGeom prst="rect">
             <a:avLst/>
@@ -8071,7 +8485,7 @@
               </a:rPr>
               <a:t> {</a:t>
             </a:r>
-            <a:endParaRPr sz="2600">
+            <a:endParaRPr sz="2600" dirty="0">
               <a:latin typeface="Arial MT"/>
               <a:cs typeface="Arial MT"/>
             </a:endParaRPr>
@@ -8285,21 +8699,28 @@
               </a:rPr>
               <a:t>=</a:t>
             </a:r>
-            <a:endParaRPr sz="2600">
+            <a:endParaRPr sz="2600" dirty="0">
               <a:latin typeface="Arial MT"/>
               <a:cs typeface="Arial MT"/>
             </a:endParaRPr>
           </a:p>
           <a:p>
             <a:pPr marL="1577340">
-              <a:lnSpc>
-                <a:spcPct val="100000"/>
-              </a:lnSpc>
               <a:spcBef>
                 <a:spcPts val="2035"/>
               </a:spcBef>
             </a:pPr>
             <a:r>
+              <a:rPr sz="2600" spc="-5" dirty="0" err="1">
+                <a:solidFill>
+                  <a:srgbClr val="404040"/>
+                </a:solidFill>
+                <a:latin typeface="Arial MT"/>
+                <a:cs typeface="Arial MT"/>
+              </a:rPr>
+              <a:t>DriverManager.getConnection</a:t>
+            </a:r>
+            <a:r>
               <a:rPr sz="2600" spc="-5" dirty="0">
                 <a:solidFill>
                   <a:srgbClr val="404040"/>
@@ -8307,12 +8728,54 @@
                 <a:latin typeface="Arial MT"/>
                 <a:cs typeface="Arial MT"/>
               </a:rPr>
-              <a:t>DriverManager.getConnection("jdbc:mysql://localhost:3306/loboticket");</a:t>
-            </a:r>
-            <a:endParaRPr sz="2600">
-              <a:latin typeface="Arial MT"/>
-              <a:cs typeface="Arial MT"/>
-            </a:endParaRPr>
+              <a:t>("</a:t>
+            </a:r>
+            <a:r>
+              <a:rPr lang="en-US" sz="1800" dirty="0">
+                <a:solidFill>
+                  <a:srgbClr val="17C6A3"/>
+                </a:solidFill>
+                <a:effectLst/>
+                <a:latin typeface="Courier New" panose="02070309020205020404" pitchFamily="49" charset="0"/>
+              </a:rPr>
+              <a:t> </a:t>
+            </a:r>
+            <a:r>
+              <a:rPr lang="en-US" sz="2600" spc="-5" dirty="0">
+                <a:solidFill>
+                  <a:srgbClr val="404040"/>
+                </a:solidFill>
+                <a:latin typeface="Arial MT"/>
+              </a:rPr>
+              <a:t>jdbc:sqlserver://localhost:1434;databaseName=</a:t>
+            </a:r>
+            <a:r>
+              <a:rPr lang="en-US" sz="2600" spc="-5" dirty="0" err="1">
+                <a:solidFill>
+                  <a:srgbClr val="404040"/>
+                </a:solidFill>
+                <a:latin typeface="Arial MT"/>
+              </a:rPr>
+              <a:t>loboticket;integratedSecurity</a:t>
+            </a:r>
+            <a:r>
+              <a:rPr lang="en-US" sz="2600" spc="-5" dirty="0">
+                <a:solidFill>
+                  <a:srgbClr val="404040"/>
+                </a:solidFill>
+                <a:latin typeface="Arial MT"/>
+              </a:rPr>
+              <a:t>=true;</a:t>
+            </a:r>
+            <a:r>
+              <a:rPr sz="2600" spc="-5" dirty="0">
+                <a:solidFill>
+                  <a:srgbClr val="404040"/>
+                </a:solidFill>
+                <a:latin typeface="Arial MT"/>
+              </a:rPr>
+              <a:t>");</a:t>
+            </a:r>
           </a:p>
           <a:p>
             <a:pPr>
@@ -8323,7 +8786,7 @@
                 <a:spcPts val="20"/>
               </a:spcBef>
             </a:pPr>
-            <a:endParaRPr sz="2300">
+            <a:endParaRPr sz="2300" dirty="0">
               <a:latin typeface="Arial MT"/>
               <a:cs typeface="Arial MT"/>
             </a:endParaRPr>
@@ -8344,21 +8807,7 @@
               </a:rPr>
               <a:t>}</a:t>
             </a:r>
-            <a:endParaRPr sz="2600">
-              <a:latin typeface="Arial MT"/>
-              <a:cs typeface="Arial MT"/>
-            </a:endParaRPr>
-          </a:p>
-          <a:p>
-            <a:pPr>
-              <a:lnSpc>
-                <a:spcPct val="100000"/>
-              </a:lnSpc>
-              <a:spcBef>
-                <a:spcPts val="40"/>
-              </a:spcBef>
-            </a:pPr>
-            <a:endParaRPr sz="2300">
+            <a:endParaRPr sz="2300" dirty="0">
               <a:latin typeface="Arial MT"/>
               <a:cs typeface="Arial MT"/>
             </a:endParaRPr>
@@ -8379,7 +8828,7 @@
               </a:rPr>
               <a:t>}</a:t>
             </a:r>
-            <a:endParaRPr sz="2600">
+            <a:endParaRPr sz="2600" dirty="0">
               <a:latin typeface="Arial MT"/>
               <a:cs typeface="Arial MT"/>
             </a:endParaRPr>
@@ -8395,7 +8844,7 @@
         <p:spPr>
           <a:xfrm>
             <a:off x="6096001" y="4000501"/>
-            <a:ext cx="4030345" cy="763270"/>
+            <a:ext cx="3276599" cy="763270"/>
           </a:xfrm>
           <a:custGeom>
             <a:avLst/>
@@ -8433,7 +8882,9 @@
         <p:txBody>
           <a:bodyPr wrap="square" lIns="0" tIns="0" rIns="0" bIns="0" rtlCol="0"/>
           <a:lstStyle/>
-          <a:p/>
+          <a:p>
+            <a:endParaRPr/>
+          </a:p>
         </p:txBody>
       </p:sp>
       <p:sp>
@@ -8449,9 +8900,11 @@
         <p:spPr/>
         <p:txBody>
           <a:bodyPr/>
+          <a:lstStyle/>
           <a:p>
             <a:fld id="{B6F15528-21DE-4FAA-801E-634DDDAF4B2B}" type="slidenum">
               <a:rPr/>
+              <a:t>8</a:t>
             </a:fld>
             <a:endParaRPr/>
           </a:p>
@@ -8527,7 +8980,9 @@
         <p:txBody>
           <a:bodyPr wrap="square" lIns="0" tIns="0" rIns="0" bIns="0" rtlCol="0"/>
           <a:lstStyle/>
-          <a:p/>
+          <a:p>
+            <a:endParaRPr/>
+          </a:p>
         </p:txBody>
       </p:sp>
       <p:sp>
@@ -8611,7 +9066,6 @@
               <a:rPr spc="-125" dirty="0"/>
               <a:t> Password</a:t>
             </a:r>
-            <a:endParaRPr spc="-125" dirty="0"/>
           </a:p>
         </p:txBody>
       </p:sp>
@@ -8684,7 +9138,7 @@
               </a:rPr>
               <a:t> {</a:t>
             </a:r>
-            <a:endParaRPr sz="2600">
+            <a:endParaRPr sz="2600" dirty="0">
               <a:latin typeface="Arial MT"/>
               <a:cs typeface="Arial MT"/>
             </a:endParaRPr>
@@ -8898,7 +9352,7 @@
               </a:rPr>
               <a:t>=</a:t>
             </a:r>
-            <a:endParaRPr sz="2600">
+            <a:endParaRPr sz="2600" dirty="0">
               <a:latin typeface="Arial MT"/>
               <a:cs typeface="Arial MT"/>
             </a:endParaRPr>
@@ -9002,7 +9456,7 @@
               </a:rPr>
               <a:t>");</a:t>
             </a:r>
-            <a:endParaRPr sz="2600">
+            <a:endParaRPr sz="2600" dirty="0">
               <a:latin typeface="Arial MT"/>
               <a:cs typeface="Arial MT"/>
             </a:endParaRPr>
@@ -9026,7 +9480,7 @@
               </a:rPr>
               <a:t>}</a:t>
             </a:r>
-            <a:endParaRPr sz="2600">
+            <a:endParaRPr sz="2600" dirty="0">
               <a:latin typeface="Arial MT"/>
               <a:cs typeface="Arial MT"/>
             </a:endParaRPr>
@@ -9040,7 +9494,7 @@
                 <a:spcPts val="45"/>
               </a:spcBef>
             </a:pPr>
-            <a:endParaRPr sz="2300">
+            <a:endParaRPr sz="2300" dirty="0">
               <a:latin typeface="Arial MT"/>
               <a:cs typeface="Arial MT"/>
             </a:endParaRPr>
@@ -9061,7 +9515,7 @@
               </a:rPr>
               <a:t>}</a:t>
             </a:r>
-            <a:endParaRPr sz="2600">
+            <a:endParaRPr sz="2600" dirty="0">
               <a:latin typeface="Arial MT"/>
               <a:cs typeface="Arial MT"/>
             </a:endParaRPr>
@@ -9081,9 +9535,11 @@
         <p:spPr/>
         <p:txBody>
           <a:bodyPr/>
+          <a:lstStyle/>
           <a:p>
             <a:fld id="{B6F15528-21DE-4FAA-801E-634DDDAF4B2B}" type="slidenum">
               <a:rPr/>
+              <a:t>9</a:t>
             </a:fld>
             <a:endParaRPr/>
           </a:p>
@@ -9375,6 +9831,8 @@
       </a:bgFillStyleLst>
     </a:fmtScheme>
   </a:themeElements>
+  <a:objectDefaults/>
+  <a:extraClrSchemeLst/>
   <a:extLst>
     <a:ext uri="{05A4C25C-085E-4340-85A3-A5531E510DB2}">
       <thm15:themeFamily xmlns:thm15="http://schemas.microsoft.com/office/thememl/2012/main" name="Office Theme" id="{62F939B6-93AF-4DB8-9C6B-D6C7DFDC589F}" vid="{4A3C46E8-61CC-4603-A589-7422A47A8E4A}"/>
@@ -9634,6 +10092,8 @@
       </a:bgFillStyleLst>
     </a:fmtScheme>
   </a:themeElements>
+  <a:objectDefaults/>
+  <a:extraClrSchemeLst/>
   <a:extLst>
     <a:ext uri="{05A4C25C-085E-4340-85A3-A5531E510DB2}">
       <thm15:themeFamily xmlns:thm15="http://schemas.microsoft.com/office/thememl/2012/main" name="Office Theme" id="{62F939B6-93AF-4DB8-9C6B-D6C7DFDC589F}" vid="{4A3C46E8-61CC-4603-A589-7422A47A8E4A}"/>

--- a/Day 6/Slides/4. Connecting to a Database/connecting-to-a-database-slides.pptx
+++ b/Day 6/Slides/4. Connecting to a Database/connecting-to-a-database-slides.pptx
@@ -221,7 +221,7 @@
           <a:p>
             <a:fld id="{3EFD42F7-718C-4B98-AAEC-167E6DDD60A7}" type="datetimeFigureOut">
               <a:rPr lang="en-US" smtClean="0"/>
-              <a:t>8/6/2023</a:t>
+              <a:t>8/10/2023</a:t>
             </a:fld>
             <a:endParaRPr lang="en-US"/>
           </a:p>
@@ -634,7 +634,7 @@
           <a:p>
             <a:fld id="{1D8BD707-D9CF-40AE-B4C6-C98DA3205C09}" type="datetimeFigureOut">
               <a:rPr lang="en-US"/>
-              <a:t>8/6/2023</a:t>
+              <a:t>8/10/2023</a:t>
             </a:fld>
             <a:endParaRPr lang="en-US"/>
           </a:p>
@@ -813,7 +813,7 @@
           <a:p>
             <a:fld id="{1D8BD707-D9CF-40AE-B4C6-C98DA3205C09}" type="datetimeFigureOut">
               <a:rPr lang="en-US"/>
-              <a:t>8/6/2023</a:t>
+              <a:t>8/10/2023</a:t>
             </a:fld>
             <a:endParaRPr lang="en-US"/>
           </a:p>
@@ -1029,7 +1029,7 @@
           <a:p>
             <a:fld id="{1D8BD707-D9CF-40AE-B4C6-C98DA3205C09}" type="datetimeFigureOut">
               <a:rPr lang="en-US"/>
-              <a:t>8/6/2023</a:t>
+              <a:t>8/10/2023</a:t>
             </a:fld>
             <a:endParaRPr lang="en-US"/>
           </a:p>
@@ -1209,7 +1209,7 @@
           <a:p>
             <a:fld id="{1D8BD707-D9CF-40AE-B4C6-C98DA3205C09}" type="datetimeFigureOut">
               <a:rPr lang="en-US"/>
-              <a:t>8/6/2023</a:t>
+              <a:t>8/10/2023</a:t>
             </a:fld>
             <a:endParaRPr lang="en-US"/>
           </a:p>
@@ -1460,7 +1460,7 @@
           <a:p>
             <a:fld id="{1D8BD707-D9CF-40AE-B4C6-C98DA3205C09}" type="datetimeFigureOut">
               <a:rPr lang="en-US"/>
-              <a:t>8/6/2023</a:t>
+              <a:t>8/10/2023</a:t>
             </a:fld>
             <a:endParaRPr lang="en-US"/>
           </a:p>
@@ -1687,7 +1687,7 @@
           <a:p>
             <a:fld id="{1D8BD707-D9CF-40AE-B4C6-C98DA3205C09}" type="datetimeFigureOut">
               <a:rPr lang="en-US"/>
-              <a:t>8/6/2023</a:t>
+              <a:t>8/10/2023</a:t>
             </a:fld>
             <a:endParaRPr lang="en-US"/>
           </a:p>
@@ -4491,7 +4491,7 @@
           </a:bodyPr>
           <a:lstStyle/>
           <a:p>
-            <a:pPr marL="12700">
+            <a:pPr marL="12700" algn="ctr">
               <a:lnSpc>
                 <a:spcPct val="100000"/>
               </a:lnSpc>
@@ -4507,9 +4507,9 @@
                 <a:latin typeface="Microsoft Sans Serif" panose="020B0604020202020204"/>
                 <a:cs typeface="Microsoft Sans Serif" panose="020B0604020202020204"/>
               </a:rPr>
-              <a:t>Assissted Practice</a:t>
-            </a:r>
-            <a:endParaRPr lang="en-US" sz="5400">
+              <a:t>Demo</a:t>
+            </a:r>
+            <a:endParaRPr lang="en-US" sz="5400" dirty="0">
               <a:latin typeface="Microsoft Sans Serif" panose="020B0604020202020204"/>
               <a:cs typeface="Microsoft Sans Serif" panose="020B0604020202020204"/>
             </a:endParaRPr>
@@ -4662,15 +4662,19 @@
               </a:spcBef>
             </a:pPr>
             <a:r>
-              <a:rPr sz="5400" dirty="0">
+              <a:rPr lang="en-US" sz="5400" spc="-80" dirty="0">
                 <a:solidFill>
                   <a:srgbClr val="FFFFFF"/>
                 </a:solidFill>
-                <a:latin typeface="Verdana" panose="020B0604030504040204"/>
-                <a:cs typeface="Verdana" panose="020B0604030504040204"/>
-              </a:rPr>
-              <a:t>Assisted Practice</a:t>
-            </a:r>
+                <a:latin typeface="Microsoft Sans Serif" panose="020B0604020202020204"/>
+                <a:cs typeface="Microsoft Sans Serif" panose="020B0604020202020204"/>
+              </a:rPr>
+              <a:t>Demo</a:t>
+            </a:r>
+            <a:endParaRPr lang="en-US" sz="5400" dirty="0">
+              <a:latin typeface="Microsoft Sans Serif" panose="020B0604020202020204"/>
+              <a:cs typeface="Microsoft Sans Serif" panose="020B0604020202020204"/>
+            </a:endParaRPr>
           </a:p>
         </p:txBody>
       </p:sp>
